--- a/Presentations/1.3 JD+ and R.pptx
+++ b/Presentations/1.3 JD+ and R.pptx
@@ -5,7 +5,7 @@
     <p:sldMasterId id="2147483648" r:id="rId1"/>
   </p:sldMasterIdLst>
   <p:notesMasterIdLst>
-    <p:notesMasterId r:id="rId13"/>
+    <p:notesMasterId r:id="rId12"/>
   </p:notesMasterIdLst>
   <p:sldIdLst>
     <p:sldId id="278" r:id="rId2"/>
@@ -15,10 +15,9 @@
     <p:sldId id="279" r:id="rId6"/>
     <p:sldId id="259" r:id="rId7"/>
     <p:sldId id="280" r:id="rId8"/>
-    <p:sldId id="261" r:id="rId9"/>
-    <p:sldId id="262" r:id="rId10"/>
-    <p:sldId id="263" r:id="rId11"/>
-    <p:sldId id="264" r:id="rId12"/>
+    <p:sldId id="281" r:id="rId9"/>
+    <p:sldId id="282" r:id="rId10"/>
+    <p:sldId id="283" r:id="rId11"/>
   </p:sldIdLst>
   <p:sldSz cx="12192000" cy="6858000"/>
   <p:notesSz cx="6858000" cy="9144000"/>
@@ -624,7 +623,7 @@
           <a:p>
             <a:fld id="{C00A79F7-9B28-4F30-91A8-0846D612BC3E}" type="datetimeFigureOut">
               <a:rPr lang="en-GB" smtClean="0"/>
-              <a:t>11/10/2023</a:t>
+              <a:t>13/10/2023</a:t>
             </a:fld>
             <a:endParaRPr lang="en-GB"/>
           </a:p>
@@ -4820,7 +4819,7 @@
           <p:cNvPr id="2" name="Title 1">
             <a:extLst>
               <a:ext uri="{FF2B5EF4-FFF2-40B4-BE49-F238E27FC236}">
-                <a16:creationId xmlns:a16="http://schemas.microsoft.com/office/drawing/2014/main" id="{23B9206A-8008-4DCA-B5DA-64BE5CE2FD54}"/>
+                <a16:creationId xmlns:a16="http://schemas.microsoft.com/office/drawing/2014/main" id="{4A9E011E-B6A2-F605-62D2-75F2312C78F6}"/>
               </a:ext>
             </a:extLst>
           </p:cNvPr>
@@ -4837,21 +4836,14 @@
           <a:lstStyle/>
           <a:p>
             <a:r>
-              <a:rPr lang="en-GB" dirty="0" err="1"/>
-              <a:t>TramoSeats</a:t>
-            </a:r>
-            <a:r>
-              <a:rPr lang="en-GB" dirty="0"/>
-              <a:t> / X13 packages (</a:t>
-            </a:r>
-            <a:r>
-              <a:rPr lang="en-GB" dirty="0" err="1"/>
-              <a:t>cont</a:t>
-            </a:r>
-            <a:r>
-              <a:rPr lang="en-GB" dirty="0"/>
-              <a:t>)</a:t>
-            </a:r>
+              <a:rPr lang="fr-BE" dirty="0"/>
+              <a:t>8. Final </a:t>
+            </a:r>
+            <a:r>
+              <a:rPr lang="fr-BE" dirty="0" err="1"/>
+              <a:t>remarks</a:t>
+            </a:r>
+            <a:endParaRPr lang="fr-BE" dirty="0"/>
           </a:p>
         </p:txBody>
       </p:sp>
@@ -4860,7 +4852,7 @@
           <p:cNvPr id="3" name="Content Placeholder 2">
             <a:extLst>
               <a:ext uri="{FF2B5EF4-FFF2-40B4-BE49-F238E27FC236}">
-                <a16:creationId xmlns:a16="http://schemas.microsoft.com/office/drawing/2014/main" id="{895AF0EF-CF7B-496B-A05E-B0BF8213477E}"/>
+                <a16:creationId xmlns:a16="http://schemas.microsoft.com/office/drawing/2014/main" id="{F38DE8C5-FE9D-F4B0-826C-E1C01E979E83}"/>
               </a:ext>
             </a:extLst>
           </p:cNvPr>
@@ -4877,108 +4869,146 @@
           <a:lstStyle/>
           <a:p>
             <a:r>
-              <a:rPr lang="en-GB" dirty="0"/>
-              <a:t>Generic functions</a:t>
-            </a:r>
-          </a:p>
-          <a:p>
-            <a:endParaRPr lang="en-GB" dirty="0"/>
-          </a:p>
-          <a:p>
-            <a:endParaRPr lang="en-GB" dirty="0"/>
-          </a:p>
-          <a:p>
-            <a:endParaRPr lang="en-GB" dirty="0"/>
-          </a:p>
-          <a:p>
-            <a:endParaRPr lang="en-GB" dirty="0"/>
-          </a:p>
-          <a:p>
-            <a:r>
-              <a:rPr lang="en-GB" dirty="0"/>
-              <a:t>TODO </a:t>
-            </a:r>
-          </a:p>
-          <a:p>
-            <a:pPr lvl="1"/>
-            <a:r>
-              <a:rPr lang="en-GB" dirty="0" err="1"/>
-              <a:t>Preprocessing</a:t>
-            </a:r>
-            <a:endParaRPr lang="en-GB" dirty="0"/>
-          </a:p>
-          <a:p>
-            <a:pPr lvl="1"/>
-            <a:r>
-              <a:rPr lang="en-GB" dirty="0"/>
-              <a:t>Diagnostics</a:t>
-            </a:r>
-          </a:p>
-          <a:p>
-            <a:pPr lvl="1"/>
-            <a:r>
-              <a:rPr lang="en-GB" dirty="0"/>
-              <a:t>…</a:t>
-            </a:r>
-          </a:p>
-          <a:p>
-            <a:pPr lvl="1"/>
-            <a:endParaRPr lang="en-GB" dirty="0"/>
-          </a:p>
-          <a:p>
-            <a:endParaRPr lang="en-GB" dirty="0"/>
-          </a:p>
-          <a:p>
-            <a:endParaRPr lang="en-GB" dirty="0"/>
-          </a:p>
-          <a:p>
-            <a:endParaRPr lang="en-GB" dirty="0"/>
-          </a:p>
-        </p:txBody>
-      </p:sp>
-      <p:pic>
-        <p:nvPicPr>
-          <p:cNvPr id="4" name="Picture 3">
-            <a:extLst>
-              <a:ext uri="{FF2B5EF4-FFF2-40B4-BE49-F238E27FC236}">
-                <a16:creationId xmlns:a16="http://schemas.microsoft.com/office/drawing/2014/main" id="{B5BD1649-9188-4922-9229-A5370363A4C4}"/>
-              </a:ext>
-            </a:extLst>
-          </p:cNvPr>
-          <p:cNvPicPr>
-            <a:picLocks noChangeAspect="1"/>
-          </p:cNvPicPr>
-          <p:nvPr/>
-        </p:nvPicPr>
-        <p:blipFill>
-          <a:blip r:embed="rId2"/>
-          <a:stretch>
-            <a:fillRect/>
-          </a:stretch>
-        </p:blipFill>
-        <p:spPr>
-          <a:xfrm>
-            <a:off x="2056356" y="2396066"/>
-            <a:ext cx="9511036" cy="2065867"/>
-          </a:xfrm>
-          <a:prstGeom prst="rect">
-            <a:avLst/>
-          </a:prstGeom>
-          <a:ln>
-            <a:solidFill>
-              <a:schemeClr val="accent3">
-                <a:shade val="50000"/>
-              </a:schemeClr>
-            </a:solidFill>
-          </a:ln>
-        </p:spPr>
-      </p:pic>
-      <p:sp>
-        <p:nvSpPr>
-          <p:cNvPr id="5" name="Date Placeholder 4">
-            <a:extLst>
-              <a:ext uri="{FF2B5EF4-FFF2-40B4-BE49-F238E27FC236}">
-                <a16:creationId xmlns:a16="http://schemas.microsoft.com/office/drawing/2014/main" id="{723C66AC-2678-4F62-8BF8-5647D188D327}"/>
+              <a:rPr lang="fr-BE" dirty="0"/>
+              <a:t>Most </a:t>
+            </a:r>
+            <a:r>
+              <a:rPr lang="fr-BE" dirty="0" err="1"/>
+              <a:t>features</a:t>
+            </a:r>
+            <a:r>
+              <a:rPr lang="fr-BE" dirty="0"/>
+              <a:t> </a:t>
+            </a:r>
+            <a:r>
+              <a:rPr lang="fr-BE" dirty="0" err="1"/>
+              <a:t>provided</a:t>
+            </a:r>
+            <a:r>
+              <a:rPr lang="fr-BE" dirty="0"/>
+              <a:t> in the Java </a:t>
+            </a:r>
+            <a:r>
+              <a:rPr lang="fr-BE" dirty="0" err="1"/>
+              <a:t>libraries</a:t>
+            </a:r>
+            <a:r>
+              <a:rPr lang="fr-BE" dirty="0"/>
+              <a:t> can </a:t>
+            </a:r>
+            <a:r>
+              <a:rPr lang="fr-BE" dirty="0" err="1"/>
+              <a:t>be</a:t>
+            </a:r>
+            <a:r>
+              <a:rPr lang="fr-BE" dirty="0"/>
+              <a:t> </a:t>
+            </a:r>
+            <a:r>
+              <a:rPr lang="fr-BE" dirty="0" err="1"/>
+              <a:t>called</a:t>
+            </a:r>
+            <a:r>
+              <a:rPr lang="fr-BE" dirty="0"/>
+              <a:t> </a:t>
+            </a:r>
+            <a:r>
+              <a:rPr lang="fr-BE" dirty="0" err="1"/>
+              <a:t>from</a:t>
+            </a:r>
+            <a:r>
+              <a:rPr lang="fr-BE" dirty="0"/>
+              <a:t> R</a:t>
+            </a:r>
+          </a:p>
+          <a:p>
+            <a:endParaRPr lang="fr-BE" dirty="0"/>
+          </a:p>
+          <a:p>
+            <a:r>
+              <a:rPr lang="fr-BE" dirty="0"/>
+              <a:t>Most </a:t>
+            </a:r>
+            <a:r>
+              <a:rPr lang="fr-BE" dirty="0" err="1"/>
+              <a:t>tasks</a:t>
+            </a:r>
+            <a:r>
+              <a:rPr lang="fr-BE" dirty="0"/>
+              <a:t> can </a:t>
+            </a:r>
+            <a:r>
+              <a:rPr lang="fr-BE" dirty="0" err="1"/>
+              <a:t>be</a:t>
+            </a:r>
+            <a:r>
+              <a:rPr lang="fr-BE" dirty="0"/>
+              <a:t> </a:t>
+            </a:r>
+            <a:r>
+              <a:rPr lang="fr-BE" dirty="0" err="1"/>
+              <a:t>automated</a:t>
+            </a:r>
+            <a:endParaRPr lang="fr-BE" dirty="0"/>
+          </a:p>
+          <a:p>
+            <a:r>
+              <a:rPr lang="fr-BE" dirty="0" err="1"/>
+              <a:t>Many</a:t>
+            </a:r>
+            <a:r>
+              <a:rPr lang="fr-BE" dirty="0"/>
+              <a:t> </a:t>
+            </a:r>
+            <a:r>
+              <a:rPr lang="fr-BE" dirty="0" err="1"/>
+              <a:t>additional</a:t>
+            </a:r>
+            <a:r>
+              <a:rPr lang="fr-BE" dirty="0"/>
+              <a:t> </a:t>
+            </a:r>
+            <a:r>
+              <a:rPr lang="fr-BE" dirty="0" err="1"/>
+              <a:t>tools</a:t>
+            </a:r>
+            <a:r>
+              <a:rPr lang="fr-BE" dirty="0"/>
+              <a:t> </a:t>
+            </a:r>
+            <a:r>
+              <a:rPr lang="fr-BE" dirty="0" err="1"/>
+              <a:t>could</a:t>
+            </a:r>
+            <a:r>
+              <a:rPr lang="fr-BE" dirty="0"/>
+              <a:t> </a:t>
+            </a:r>
+            <a:r>
+              <a:rPr lang="fr-BE" dirty="0" err="1"/>
+              <a:t>be</a:t>
+            </a:r>
+            <a:r>
+              <a:rPr lang="fr-BE" dirty="0"/>
+              <a:t> </a:t>
+            </a:r>
+            <a:r>
+              <a:rPr lang="fr-BE" dirty="0" err="1"/>
+              <a:t>developed</a:t>
+            </a:r>
+            <a:r>
+              <a:rPr lang="fr-BE" dirty="0"/>
+              <a:t> in R </a:t>
+            </a:r>
+          </a:p>
+        </p:txBody>
+      </p:sp>
+      <p:sp>
+        <p:nvSpPr>
+          <p:cNvPr id="4" name="Date Placeholder 3">
+            <a:extLst>
+              <a:ext uri="{FF2B5EF4-FFF2-40B4-BE49-F238E27FC236}">
+                <a16:creationId xmlns:a16="http://schemas.microsoft.com/office/drawing/2014/main" id="{12E7D2B4-8F4E-4E07-A2E1-1E60E58B34B9}"/>
               </a:ext>
             </a:extLst>
           </p:cNvPr>
@@ -5004,10 +5034,10 @@
       </p:sp>
       <p:sp>
         <p:nvSpPr>
-          <p:cNvPr id="6" name="Footer Placeholder 5">
-            <a:extLst>
-              <a:ext uri="{FF2B5EF4-FFF2-40B4-BE49-F238E27FC236}">
-                <a16:creationId xmlns:a16="http://schemas.microsoft.com/office/drawing/2014/main" id="{AFDCCA66-E424-43D4-B7A9-8B32AE2F15A4}"/>
+          <p:cNvPr id="5" name="Footer Placeholder 4">
+            <a:extLst>
+              <a:ext uri="{FF2B5EF4-FFF2-40B4-BE49-F238E27FC236}">
+                <a16:creationId xmlns:a16="http://schemas.microsoft.com/office/drawing/2014/main" id="{3DC7C458-61E9-D1BC-608F-889A653EF791}"/>
               </a:ext>
             </a:extLst>
           </p:cNvPr>
@@ -5033,383 +5063,7 @@
     </p:spTree>
     <p:extLst>
       <p:ext uri="{BB962C8B-B14F-4D97-AF65-F5344CB8AC3E}">
-        <p14:creationId xmlns:p14="http://schemas.microsoft.com/office/powerpoint/2010/main" val="3002859406"/>
-      </p:ext>
-    </p:extLst>
-  </p:cSld>
-  <p:clrMapOvr>
-    <a:masterClrMapping/>
-  </p:clrMapOvr>
-</p:sld>
-</file>
-
-<file path=ppt/slides/slide11.xml><?xml version="1.0" encoding="utf-8"?>
-<p:sld xmlns:a="http://schemas.openxmlformats.org/drawingml/2006/main" xmlns:r="http://schemas.openxmlformats.org/officeDocument/2006/relationships" xmlns:p="http://schemas.openxmlformats.org/presentationml/2006/main">
-  <p:cSld>
-    <p:spTree>
-      <p:nvGrpSpPr>
-        <p:cNvPr id="1" name=""/>
-        <p:cNvGrpSpPr/>
-        <p:nvPr/>
-      </p:nvGrpSpPr>
-      <p:grpSpPr>
-        <a:xfrm>
-          <a:off x="0" y="0"/>
-          <a:ext cx="0" cy="0"/>
-          <a:chOff x="0" y="0"/>
-          <a:chExt cx="0" cy="0"/>
-        </a:xfrm>
-      </p:grpSpPr>
-      <p:sp>
-        <p:nvSpPr>
-          <p:cNvPr id="2" name="Title 1">
-            <a:extLst>
-              <a:ext uri="{FF2B5EF4-FFF2-40B4-BE49-F238E27FC236}">
-                <a16:creationId xmlns:a16="http://schemas.microsoft.com/office/drawing/2014/main" id="{F1F6AD78-C3A5-4C58-8F83-E2B6EF251960}"/>
-              </a:ext>
-            </a:extLst>
-          </p:cNvPr>
-          <p:cNvSpPr>
-            <a:spLocks noGrp="1"/>
-          </p:cNvSpPr>
-          <p:nvPr>
-            <p:ph type="title"/>
-          </p:nvPr>
-        </p:nvSpPr>
-        <p:spPr/>
-        <p:txBody>
-          <a:bodyPr/>
-          <a:lstStyle/>
-          <a:p>
-            <a:r>
-              <a:rPr lang="en-GB" dirty="0"/>
-              <a:t>Details. Seasonality tests</a:t>
-            </a:r>
-          </a:p>
-        </p:txBody>
-      </p:sp>
-      <p:sp>
-        <p:nvSpPr>
-          <p:cNvPr id="3" name="Content Placeholder 2">
-            <a:extLst>
-              <a:ext uri="{FF2B5EF4-FFF2-40B4-BE49-F238E27FC236}">
-                <a16:creationId xmlns:a16="http://schemas.microsoft.com/office/drawing/2014/main" id="{61279640-34B0-414E-B8BA-0BA5900532E0}"/>
-              </a:ext>
-            </a:extLst>
-          </p:cNvPr>
-          <p:cNvSpPr>
-            <a:spLocks noGrp="1"/>
-          </p:cNvSpPr>
-          <p:nvPr>
-            <p:ph idx="1"/>
-          </p:nvPr>
-        </p:nvSpPr>
-        <p:spPr/>
-        <p:txBody>
-          <a:bodyPr/>
-          <a:lstStyle/>
-          <a:p>
-            <a:r>
-              <a:rPr lang="en-GB" dirty="0"/>
-              <a:t>Kruskal-Wallis (on stationary series)</a:t>
-            </a:r>
-          </a:p>
-          <a:p>
-            <a:r>
-              <a:rPr lang="en-GB" dirty="0"/>
-              <a:t>Friedman (…)</a:t>
-            </a:r>
-          </a:p>
-          <a:p>
-            <a:r>
-              <a:rPr lang="en-GB" dirty="0"/>
-              <a:t>Qs (…)</a:t>
-            </a:r>
-          </a:p>
-          <a:p>
-            <a:r>
-              <a:rPr lang="en-GB" dirty="0" err="1"/>
-              <a:t>Ftest</a:t>
-            </a:r>
-            <a:r>
-              <a:rPr lang="en-GB" dirty="0"/>
-              <a:t> (seasonal dummies) </a:t>
-            </a:r>
-          </a:p>
-          <a:p>
-            <a:endParaRPr lang="en-GB" dirty="0"/>
-          </a:p>
-          <a:p>
-            <a:endParaRPr lang="en-GB" dirty="0"/>
-          </a:p>
-          <a:p>
-            <a:r>
-              <a:rPr lang="en-GB" dirty="0"/>
-              <a:t>Combined tests (on S+I)</a:t>
-            </a:r>
-          </a:p>
-          <a:p>
-            <a:endParaRPr lang="en-GB" dirty="0"/>
-          </a:p>
-        </p:txBody>
-      </p:sp>
-      <p:pic>
-        <p:nvPicPr>
-          <p:cNvPr id="4" name="Picture 3">
-            <a:extLst>
-              <a:ext uri="{FF2B5EF4-FFF2-40B4-BE49-F238E27FC236}">
-                <a16:creationId xmlns:a16="http://schemas.microsoft.com/office/drawing/2014/main" id="{C0B373CF-62DA-405D-9C23-E1971DE7C58D}"/>
-              </a:ext>
-            </a:extLst>
-          </p:cNvPr>
-          <p:cNvPicPr>
-            <a:picLocks noChangeAspect="1"/>
-          </p:cNvPicPr>
-          <p:nvPr/>
-        </p:nvPicPr>
-        <p:blipFill>
-          <a:blip r:embed="rId2"/>
-          <a:stretch>
-            <a:fillRect/>
-          </a:stretch>
-        </p:blipFill>
-        <p:spPr>
-          <a:xfrm>
-            <a:off x="7683569" y="731385"/>
-            <a:ext cx="3919233" cy="2772940"/>
-          </a:xfrm>
-          <a:prstGeom prst="rect">
-            <a:avLst/>
-          </a:prstGeom>
-          <a:ln>
-            <a:solidFill>
-              <a:schemeClr val="accent3">
-                <a:shade val="50000"/>
-              </a:schemeClr>
-            </a:solidFill>
-          </a:ln>
-        </p:spPr>
-      </p:pic>
-      <p:pic>
-        <p:nvPicPr>
-          <p:cNvPr id="5" name="Picture 4">
-            <a:extLst>
-              <a:ext uri="{FF2B5EF4-FFF2-40B4-BE49-F238E27FC236}">
-                <a16:creationId xmlns:a16="http://schemas.microsoft.com/office/drawing/2014/main" id="{2FA207FD-3D81-4083-8717-28501E980363}"/>
-              </a:ext>
-            </a:extLst>
-          </p:cNvPr>
-          <p:cNvPicPr>
-            <a:picLocks noChangeAspect="1"/>
-          </p:cNvPicPr>
-          <p:nvPr/>
-        </p:nvPicPr>
-        <p:blipFill>
-          <a:blip r:embed="rId3"/>
-          <a:stretch>
-            <a:fillRect/>
-          </a:stretch>
-        </p:blipFill>
-        <p:spPr>
-          <a:xfrm>
-            <a:off x="920227" y="5445976"/>
-            <a:ext cx="8960891" cy="730987"/>
-          </a:xfrm>
-          <a:prstGeom prst="rect">
-            <a:avLst/>
-          </a:prstGeom>
-          <a:ln>
-            <a:solidFill>
-              <a:schemeClr val="accent3">
-                <a:shade val="50000"/>
-              </a:schemeClr>
-            </a:solidFill>
-          </a:ln>
-        </p:spPr>
-      </p:pic>
-      <p:pic>
-        <p:nvPicPr>
-          <p:cNvPr id="6" name="Picture 5">
-            <a:extLst>
-              <a:ext uri="{FF2B5EF4-FFF2-40B4-BE49-F238E27FC236}">
-                <a16:creationId xmlns:a16="http://schemas.microsoft.com/office/drawing/2014/main" id="{9F25166C-FD7E-4EAF-9AF3-8B7C75D15D4E}"/>
-              </a:ext>
-            </a:extLst>
-          </p:cNvPr>
-          <p:cNvPicPr>
-            <a:picLocks noChangeAspect="1"/>
-          </p:cNvPicPr>
-          <p:nvPr/>
-        </p:nvPicPr>
-        <p:blipFill>
-          <a:blip r:embed="rId4"/>
-          <a:stretch>
-            <a:fillRect/>
-          </a:stretch>
-        </p:blipFill>
-        <p:spPr>
-          <a:xfrm>
-            <a:off x="4961973" y="3697350"/>
-            <a:ext cx="4991797" cy="638264"/>
-          </a:xfrm>
-          <a:prstGeom prst="rect">
-            <a:avLst/>
-          </a:prstGeom>
-          <a:ln>
-            <a:solidFill>
-              <a:schemeClr val="accent3">
-                <a:shade val="50000"/>
-              </a:schemeClr>
-            </a:solidFill>
-          </a:ln>
-        </p:spPr>
-      </p:pic>
-      <p:pic>
-        <p:nvPicPr>
-          <p:cNvPr id="7" name="Picture 6">
-            <a:extLst>
-              <a:ext uri="{FF2B5EF4-FFF2-40B4-BE49-F238E27FC236}">
-                <a16:creationId xmlns:a16="http://schemas.microsoft.com/office/drawing/2014/main" id="{C672F002-96FC-4422-9541-FD7FBB7AF5F0}"/>
-              </a:ext>
-            </a:extLst>
-          </p:cNvPr>
-          <p:cNvPicPr>
-            <a:picLocks noChangeAspect="1"/>
-          </p:cNvPicPr>
-          <p:nvPr/>
-        </p:nvPicPr>
-        <p:blipFill>
-          <a:blip r:embed="rId5"/>
-          <a:stretch>
-            <a:fillRect/>
-          </a:stretch>
-        </p:blipFill>
-        <p:spPr>
-          <a:xfrm>
-            <a:off x="10269063" y="3870694"/>
-            <a:ext cx="1295581" cy="1695687"/>
-          </a:xfrm>
-          <a:prstGeom prst="rect">
-            <a:avLst/>
-          </a:prstGeom>
-          <a:ln w="34925" cmpd="thickThin">
-            <a:solidFill>
-              <a:srgbClr val="0070C0"/>
-            </a:solidFill>
-          </a:ln>
-        </p:spPr>
-      </p:pic>
-      <p:sp>
-        <p:nvSpPr>
-          <p:cNvPr id="9" name="Arrow: Bent-Up 8">
-            <a:extLst>
-              <a:ext uri="{FF2B5EF4-FFF2-40B4-BE49-F238E27FC236}">
-                <a16:creationId xmlns:a16="http://schemas.microsoft.com/office/drawing/2014/main" id="{3A35A0C8-DB93-4040-9C96-516C682EE772}"/>
-              </a:ext>
-            </a:extLst>
-          </p:cNvPr>
-          <p:cNvSpPr/>
-          <p:nvPr/>
-        </p:nvSpPr>
-        <p:spPr>
-          <a:xfrm rot="5400000">
-            <a:off x="9386111" y="4104986"/>
-            <a:ext cx="514151" cy="1110343"/>
-          </a:xfrm>
-          <a:prstGeom prst="bentUpArrow">
-            <a:avLst>
-              <a:gd name="adj1" fmla="val 25000"/>
-              <a:gd name="adj2" fmla="val 27701"/>
-              <a:gd name="adj3" fmla="val 25000"/>
-            </a:avLst>
-          </a:prstGeom>
-        </p:spPr>
-        <p:style>
-          <a:lnRef idx="2">
-            <a:schemeClr val="accent1">
-              <a:shade val="50000"/>
-            </a:schemeClr>
-          </a:lnRef>
-          <a:fillRef idx="1">
-            <a:schemeClr val="accent1"/>
-          </a:fillRef>
-          <a:effectRef idx="0">
-            <a:schemeClr val="accent1"/>
-          </a:effectRef>
-          <a:fontRef idx="minor">
-            <a:schemeClr val="lt1"/>
-          </a:fontRef>
-        </p:style>
-        <p:txBody>
-          <a:bodyPr rtlCol="0" anchor="ctr"/>
-          <a:lstStyle/>
-          <a:p>
-            <a:pPr algn="ctr"/>
-            <a:endParaRPr lang="en-GB"/>
-          </a:p>
-        </p:txBody>
-      </p:sp>
-      <p:sp>
-        <p:nvSpPr>
-          <p:cNvPr id="8" name="Date Placeholder 7">
-            <a:extLst>
-              <a:ext uri="{FF2B5EF4-FFF2-40B4-BE49-F238E27FC236}">
-                <a16:creationId xmlns:a16="http://schemas.microsoft.com/office/drawing/2014/main" id="{A92D4647-F120-4AD0-ACBD-6E0DCF237753}"/>
-              </a:ext>
-            </a:extLst>
-          </p:cNvPr>
-          <p:cNvSpPr>
-            <a:spLocks noGrp="1"/>
-          </p:cNvSpPr>
-          <p:nvPr>
-            <p:ph type="dt" sz="half" idx="10"/>
-          </p:nvPr>
-        </p:nvSpPr>
-        <p:spPr/>
-        <p:txBody>
-          <a:bodyPr/>
-          <a:lstStyle/>
-          <a:p>
-            <a:r>
-              <a:rPr lang="fr-FR"/>
-              <a:t>17-19/10/2023</a:t>
-            </a:r>
-            <a:endParaRPr lang="en-GB"/>
-          </a:p>
-        </p:txBody>
-      </p:sp>
-      <p:sp>
-        <p:nvSpPr>
-          <p:cNvPr id="10" name="Footer Placeholder 9">
-            <a:extLst>
-              <a:ext uri="{FF2B5EF4-FFF2-40B4-BE49-F238E27FC236}">
-                <a16:creationId xmlns:a16="http://schemas.microsoft.com/office/drawing/2014/main" id="{D3334C47-867C-4AFB-9504-6BDCB685C074}"/>
-              </a:ext>
-            </a:extLst>
-          </p:cNvPr>
-          <p:cNvSpPr>
-            <a:spLocks noGrp="1"/>
-          </p:cNvSpPr>
-          <p:nvPr>
-            <p:ph type="ftr" sz="quarter" idx="11"/>
-          </p:nvPr>
-        </p:nvSpPr>
-        <p:spPr/>
-        <p:txBody>
-          <a:bodyPr/>
-          <a:lstStyle/>
-          <a:p>
-            <a:r>
-              <a:rPr lang="en-GB"/>
-              <a:t>CONTRACTORS ORGANISING SOME OF THE COURSES ARE ACTING UNDER A FRAMEWORK CONTRACT CONCLUDED WITH THE COMMISSION</a:t>
-            </a:r>
-          </a:p>
-        </p:txBody>
-      </p:sp>
-    </p:spTree>
-    <p:extLst>
-      <p:ext uri="{BB962C8B-B14F-4D97-AF65-F5344CB8AC3E}">
-        <p14:creationId xmlns:p14="http://schemas.microsoft.com/office/powerpoint/2010/main" val="4281767886"/>
+        <p14:creationId xmlns:p14="http://schemas.microsoft.com/office/powerpoint/2010/main" val="2240742591"/>
       </p:ext>
     </p:extLst>
   </p:cSld>
@@ -5459,7 +5113,7 @@
           <a:p>
             <a:r>
               <a:rPr lang="en-GB" dirty="0"/>
-              <a:t>Main requirements</a:t>
+              <a:t>1. Main requirements</a:t>
             </a:r>
           </a:p>
         </p:txBody>
@@ -5674,7 +5328,7 @@
           <a:p>
             <a:r>
               <a:rPr lang="en-GB" dirty="0"/>
-              <a:t>Technical design (</a:t>
+              <a:t>2. Technical design (</a:t>
             </a:r>
             <a:r>
               <a:rPr lang="en-GB" dirty="0" err="1"/>
@@ -7372,7 +7026,7 @@
           <a:p>
             <a:r>
               <a:rPr lang="en-GB" dirty="0"/>
-              <a:t>Technical design (Rjdemetra3)</a:t>
+              <a:t>3. Technical design (Rjdemetra3)</a:t>
             </a:r>
             <a:endParaRPr lang="fr-BE" dirty="0"/>
           </a:p>
@@ -8849,7 +8503,7 @@
           <a:p>
             <a:r>
               <a:rPr lang="en-GB" dirty="0"/>
-              <a:t>Overview </a:t>
+              <a:t>4. Rjdemetra3: Overview </a:t>
             </a:r>
           </a:p>
         </p:txBody>
@@ -8868,8 +8522,8 @@
         </p:nvSpPr>
         <p:spPr>
           <a:xfrm>
-            <a:off x="4127384" y="1102016"/>
-            <a:ext cx="1609208" cy="379603"/>
+            <a:off x="4544357" y="2639566"/>
+            <a:ext cx="1685570" cy="983767"/>
           </a:xfrm>
           <a:prstGeom prst="roundRect">
             <a:avLst/>
@@ -8897,7 +8551,7 @@
           <a:p>
             <a:pPr algn="ctr"/>
             <a:r>
-              <a:rPr lang="en-GB" dirty="0"/>
+              <a:rPr lang="en-GB" sz="2400" b="1" dirty="0"/>
               <a:t>rjd3toolkit</a:t>
             </a:r>
           </a:p>
@@ -8905,10 +8559,10 @@
       </p:sp>
       <p:sp>
         <p:nvSpPr>
-          <p:cNvPr id="5" name="Rectangle: Rounded Corners 4">
-            <a:extLst>
-              <a:ext uri="{FF2B5EF4-FFF2-40B4-BE49-F238E27FC236}">
-                <a16:creationId xmlns:a16="http://schemas.microsoft.com/office/drawing/2014/main" id="{97390A2C-0E8A-49E1-949B-C1DE243ABC83}"/>
+          <p:cNvPr id="10" name="Rectangle: Rounded Corners 9">
+            <a:extLst>
+              <a:ext uri="{FF2B5EF4-FFF2-40B4-BE49-F238E27FC236}">
+                <a16:creationId xmlns:a16="http://schemas.microsoft.com/office/drawing/2014/main" id="{E4A7A8AF-D191-438A-91C6-CB0D06EAD51C}"/>
               </a:ext>
             </a:extLst>
           </p:cNvPr>
@@ -8917,12 +8571,76 @@
         </p:nvSpPr>
         <p:spPr>
           <a:xfrm>
-            <a:off x="1134552" y="2735251"/>
-            <a:ext cx="1506009" cy="379602"/>
+            <a:off x="569658" y="4442707"/>
+            <a:ext cx="1641682" cy="555721"/>
           </a:xfrm>
           <a:prstGeom prst="roundRect">
             <a:avLst/>
           </a:prstGeom>
+          <a:ln>
+            <a:solidFill>
+              <a:schemeClr val="bg1"/>
+            </a:solidFill>
+          </a:ln>
+        </p:spPr>
+        <p:style>
+          <a:lnRef idx="2">
+            <a:schemeClr val="accent4">
+              <a:shade val="50000"/>
+            </a:schemeClr>
+          </a:lnRef>
+          <a:fillRef idx="1">
+            <a:schemeClr val="accent4"/>
+          </a:fillRef>
+          <a:effectRef idx="0">
+            <a:schemeClr val="accent4"/>
+          </a:effectRef>
+          <a:fontRef idx="minor">
+            <a:schemeClr val="lt1"/>
+          </a:fontRef>
+        </p:style>
+        <p:txBody>
+          <a:bodyPr rtlCol="0" anchor="ctr"/>
+          <a:lstStyle/>
+          <a:p>
+            <a:pPr algn="ctr"/>
+            <a:r>
+              <a:rPr lang="en-GB" dirty="0"/>
+              <a:t>RJDemetra3</a:t>
+            </a:r>
+          </a:p>
+        </p:txBody>
+      </p:sp>
+      <p:sp>
+        <p:nvSpPr>
+          <p:cNvPr id="37" name="Rectangle: Rounded Corners 36">
+            <a:extLst>
+              <a:ext uri="{FF2B5EF4-FFF2-40B4-BE49-F238E27FC236}">
+                <a16:creationId xmlns:a16="http://schemas.microsoft.com/office/drawing/2014/main" id="{1AFF2C70-0828-48EB-83C0-BC415662A719}"/>
+              </a:ext>
+            </a:extLst>
+          </p:cNvPr>
+          <p:cNvSpPr/>
+          <p:nvPr/>
+        </p:nvSpPr>
+        <p:spPr>
+          <a:xfrm>
+            <a:off x="6738322" y="4303119"/>
+            <a:ext cx="2508308" cy="379602"/>
+          </a:xfrm>
+          <a:prstGeom prst="roundRect">
+            <a:avLst/>
+          </a:prstGeom>
+          <a:solidFill>
+            <a:schemeClr val="bg2">
+              <a:lumMod val="75000"/>
+            </a:schemeClr>
+          </a:solidFill>
+          <a:ln>
+            <a:solidFill>
+              <a:schemeClr val="bg1"/>
+            </a:solidFill>
+          </a:ln>
         </p:spPr>
         <p:style>
           <a:lnRef idx="2">
@@ -8946,115 +8664,9 @@
           <a:p>
             <a:pPr algn="ctr"/>
             <a:r>
-              <a:rPr lang="en-GB" dirty="0"/>
-              <a:t>rjd3sa</a:t>
-            </a:r>
-          </a:p>
-        </p:txBody>
-      </p:sp>
-      <p:sp>
-        <p:nvSpPr>
-          <p:cNvPr id="10" name="Rectangle: Rounded Corners 9">
-            <a:extLst>
-              <a:ext uri="{FF2B5EF4-FFF2-40B4-BE49-F238E27FC236}">
-                <a16:creationId xmlns:a16="http://schemas.microsoft.com/office/drawing/2014/main" id="{E4A7A8AF-D191-438A-91C6-CB0D06EAD51C}"/>
-              </a:ext>
-            </a:extLst>
-          </p:cNvPr>
-          <p:cNvSpPr/>
-          <p:nvPr/>
-        </p:nvSpPr>
-        <p:spPr>
-          <a:xfrm>
-            <a:off x="2165895" y="5536400"/>
-            <a:ext cx="1641682" cy="555721"/>
-          </a:xfrm>
-          <a:prstGeom prst="roundRect">
-            <a:avLst/>
-          </a:prstGeom>
-        </p:spPr>
-        <p:style>
-          <a:lnRef idx="2">
-            <a:schemeClr val="accent2">
-              <a:shade val="50000"/>
-            </a:schemeClr>
-          </a:lnRef>
-          <a:fillRef idx="1">
-            <a:schemeClr val="accent2"/>
-          </a:fillRef>
-          <a:effectRef idx="0">
-            <a:schemeClr val="accent2"/>
-          </a:effectRef>
-          <a:fontRef idx="minor">
-            <a:schemeClr val="lt1"/>
-          </a:fontRef>
-        </p:style>
-        <p:txBody>
-          <a:bodyPr rtlCol="0" anchor="ctr"/>
-          <a:lstStyle/>
-          <a:p>
-            <a:pPr algn="ctr"/>
-            <a:r>
-              <a:rPr lang="en-GB" dirty="0"/>
-              <a:t>RJDemetra3</a:t>
-            </a:r>
-          </a:p>
-        </p:txBody>
-      </p:sp>
-      <p:sp>
-        <p:nvSpPr>
-          <p:cNvPr id="37" name="Rectangle: Rounded Corners 36">
-            <a:extLst>
-              <a:ext uri="{FF2B5EF4-FFF2-40B4-BE49-F238E27FC236}">
-                <a16:creationId xmlns:a16="http://schemas.microsoft.com/office/drawing/2014/main" id="{1AFF2C70-0828-48EB-83C0-BC415662A719}"/>
-              </a:ext>
-            </a:extLst>
-          </p:cNvPr>
-          <p:cNvSpPr/>
-          <p:nvPr/>
-        </p:nvSpPr>
-        <p:spPr>
-          <a:xfrm>
-            <a:off x="7642846" y="1023722"/>
-            <a:ext cx="2508308" cy="379602"/>
-          </a:xfrm>
-          <a:prstGeom prst="roundRect">
-            <a:avLst/>
-          </a:prstGeom>
-          <a:pattFill prst="ltUpDiag">
-            <a:fgClr>
-              <a:schemeClr val="accent2"/>
-            </a:fgClr>
-            <a:bgClr>
-              <a:schemeClr val="bg1"/>
-            </a:bgClr>
-          </a:pattFill>
-        </p:spPr>
-        <p:style>
-          <a:lnRef idx="2">
-            <a:schemeClr val="accent2">
-              <a:shade val="50000"/>
-            </a:schemeClr>
-          </a:lnRef>
-          <a:fillRef idx="1">
-            <a:schemeClr val="accent2"/>
-          </a:fillRef>
-          <a:effectRef idx="0">
-            <a:schemeClr val="accent2"/>
-          </a:effectRef>
-          <a:fontRef idx="minor">
-            <a:schemeClr val="lt1"/>
-          </a:fontRef>
-        </p:style>
-        <p:txBody>
-          <a:bodyPr rtlCol="0" anchor="ctr"/>
-          <a:lstStyle/>
-          <a:p>
-            <a:pPr algn="ctr"/>
-            <a:r>
               <a:rPr lang="en-GB" dirty="0">
                 <a:solidFill>
-                  <a:schemeClr val="tx1"/>
+                  <a:schemeClr val="bg1"/>
                 </a:solidFill>
               </a:rPr>
               <a:t>rjd3bench</a:t>
@@ -9062,49 +8674,6 @@
           </a:p>
         </p:txBody>
       </p:sp>
-      <p:cxnSp>
-        <p:nvCxnSpPr>
-          <p:cNvPr id="39" name="Connector: Elbow 38">
-            <a:extLst>
-              <a:ext uri="{FF2B5EF4-FFF2-40B4-BE49-F238E27FC236}">
-                <a16:creationId xmlns:a16="http://schemas.microsoft.com/office/drawing/2014/main" id="{C7A58C1A-FEFE-4F4C-B8D8-126FCC9A4980}"/>
-              </a:ext>
-            </a:extLst>
-          </p:cNvPr>
-          <p:cNvCxnSpPr>
-            <a:cxnSpLocks/>
-            <a:stCxn id="5" idx="0"/>
-            <a:endCxn id="38" idx="2"/>
-          </p:cNvCxnSpPr>
-          <p:nvPr/>
-        </p:nvCxnSpPr>
-        <p:spPr>
-          <a:xfrm rot="5400000" flipH="1" flipV="1">
-            <a:off x="3068662" y="871926"/>
-            <a:ext cx="682221" cy="3044430"/>
-          </a:xfrm>
-          <a:prstGeom prst="bentConnector3">
-            <a:avLst/>
-          </a:prstGeom>
-          <a:ln>
-            <a:tailEnd type="triangle"/>
-          </a:ln>
-        </p:spPr>
-        <p:style>
-          <a:lnRef idx="3">
-            <a:schemeClr val="dk1"/>
-          </a:lnRef>
-          <a:fillRef idx="0">
-            <a:schemeClr val="dk1"/>
-          </a:fillRef>
-          <a:effectRef idx="2">
-            <a:schemeClr val="dk1"/>
-          </a:effectRef>
-          <a:fontRef idx="minor">
-            <a:schemeClr val="tx1"/>
-          </a:fontRef>
-        </p:style>
-      </p:cxnSp>
       <p:sp>
         <p:nvSpPr>
           <p:cNvPr id="44" name="Rectangle: Rounded Corners 43">
@@ -9119,7 +8688,7 @@
         </p:nvSpPr>
         <p:spPr>
           <a:xfrm>
-            <a:off x="758986" y="3704798"/>
+            <a:off x="1699826" y="1839012"/>
             <a:ext cx="1881575" cy="445818"/>
           </a:xfrm>
           <a:prstGeom prst="roundRect">
@@ -9171,7 +8740,7 @@
         </p:nvSpPr>
         <p:spPr>
           <a:xfrm>
-            <a:off x="758987" y="4350389"/>
+            <a:off x="1699826" y="2500443"/>
             <a:ext cx="1881574" cy="373157"/>
           </a:xfrm>
           <a:prstGeom prst="roundRect">
@@ -9211,202 +8780,24 @@
       </p:sp>
       <p:cxnSp>
         <p:nvCxnSpPr>
-          <p:cNvPr id="46" name="Connector: Elbow 45">
-            <a:extLst>
-              <a:ext uri="{FF2B5EF4-FFF2-40B4-BE49-F238E27FC236}">
-                <a16:creationId xmlns:a16="http://schemas.microsoft.com/office/drawing/2014/main" id="{FF7FF084-8E68-4EE3-AD09-EFDD5800B6D0}"/>
+          <p:cNvPr id="58" name="Connector: Elbow 57">
+            <a:extLst>
+              <a:ext uri="{FF2B5EF4-FFF2-40B4-BE49-F238E27FC236}">
+                <a16:creationId xmlns:a16="http://schemas.microsoft.com/office/drawing/2014/main" id="{3398E447-2E27-4DBC-9236-7AD0BAF658CC}"/>
               </a:ext>
             </a:extLst>
           </p:cNvPr>
           <p:cNvCxnSpPr>
             <a:cxnSpLocks/>
-            <a:stCxn id="44" idx="1"/>
-            <a:endCxn id="5" idx="2"/>
+            <a:stCxn id="37" idx="1"/>
+            <a:endCxn id="4" idx="3"/>
           </p:cNvCxnSpPr>
           <p:nvPr/>
         </p:nvCxnSpPr>
         <p:spPr>
-          <a:xfrm rot="10800000" flipH="1">
-            <a:off x="758985" y="3114853"/>
-            <a:ext cx="1128571" cy="812854"/>
-          </a:xfrm>
-          <a:prstGeom prst="bentConnector4">
-            <a:avLst>
-              <a:gd name="adj1" fmla="val -20256"/>
-              <a:gd name="adj2" fmla="val 63711"/>
-            </a:avLst>
-          </a:prstGeom>
-          <a:ln>
-            <a:tailEnd type="triangle"/>
-          </a:ln>
-        </p:spPr>
-        <p:style>
-          <a:lnRef idx="3">
-            <a:schemeClr val="dk1"/>
-          </a:lnRef>
-          <a:fillRef idx="0">
-            <a:schemeClr val="dk1"/>
-          </a:fillRef>
-          <a:effectRef idx="2">
-            <a:schemeClr val="dk1"/>
-          </a:effectRef>
-          <a:fontRef idx="minor">
-            <a:schemeClr val="tx1"/>
-          </a:fontRef>
-        </p:style>
-      </p:cxnSp>
-      <p:cxnSp>
-        <p:nvCxnSpPr>
-          <p:cNvPr id="49" name="Connector: Elbow 48">
-            <a:extLst>
-              <a:ext uri="{FF2B5EF4-FFF2-40B4-BE49-F238E27FC236}">
-                <a16:creationId xmlns:a16="http://schemas.microsoft.com/office/drawing/2014/main" id="{D4D6E60A-9319-41A4-B5E7-534B1384C011}"/>
-              </a:ext>
-            </a:extLst>
-          </p:cNvPr>
-          <p:cNvCxnSpPr>
-            <a:cxnSpLocks/>
-            <a:stCxn id="45" idx="1"/>
-            <a:endCxn id="5" idx="2"/>
-          </p:cNvCxnSpPr>
-          <p:nvPr/>
-        </p:nvCxnSpPr>
-        <p:spPr>
-          <a:xfrm rot="10800000" flipH="1">
-            <a:off x="758987" y="3114854"/>
-            <a:ext cx="1128570" cy="1422115"/>
-          </a:xfrm>
-          <a:prstGeom prst="bentConnector4">
-            <a:avLst>
-              <a:gd name="adj1" fmla="val -20256"/>
-              <a:gd name="adj2" fmla="val 78868"/>
-            </a:avLst>
-          </a:prstGeom>
-          <a:ln>
-            <a:tailEnd type="triangle"/>
-          </a:ln>
-        </p:spPr>
-        <p:style>
-          <a:lnRef idx="3">
-            <a:schemeClr val="dk1"/>
-          </a:lnRef>
-          <a:fillRef idx="0">
-            <a:schemeClr val="dk1"/>
-          </a:fillRef>
-          <a:effectRef idx="2">
-            <a:schemeClr val="dk1"/>
-          </a:effectRef>
-          <a:fontRef idx="minor">
-            <a:schemeClr val="tx1"/>
-          </a:fontRef>
-        </p:style>
-      </p:cxnSp>
-      <p:cxnSp>
-        <p:nvCxnSpPr>
-          <p:cNvPr id="52" name="Connector: Elbow 51">
-            <a:extLst>
-              <a:ext uri="{FF2B5EF4-FFF2-40B4-BE49-F238E27FC236}">
-                <a16:creationId xmlns:a16="http://schemas.microsoft.com/office/drawing/2014/main" id="{E0724B5F-17CD-4E33-8FB6-437575A2BB9D}"/>
-              </a:ext>
-            </a:extLst>
-          </p:cNvPr>
-          <p:cNvCxnSpPr>
-            <a:cxnSpLocks/>
-            <a:stCxn id="10" idx="0"/>
-            <a:endCxn id="44" idx="3"/>
-          </p:cNvCxnSpPr>
-          <p:nvPr/>
-        </p:nvCxnSpPr>
-        <p:spPr>
-          <a:xfrm rot="16200000" flipV="1">
-            <a:off x="2009303" y="4558966"/>
-            <a:ext cx="1608693" cy="346175"/>
-          </a:xfrm>
-          <a:prstGeom prst="bentConnector2">
-            <a:avLst/>
-          </a:prstGeom>
-          <a:ln>
-            <a:tailEnd type="triangle"/>
-          </a:ln>
-        </p:spPr>
-        <p:style>
-          <a:lnRef idx="3">
-            <a:schemeClr val="dk1"/>
-          </a:lnRef>
-          <a:fillRef idx="0">
-            <a:schemeClr val="dk1"/>
-          </a:fillRef>
-          <a:effectRef idx="2">
-            <a:schemeClr val="dk1"/>
-          </a:effectRef>
-          <a:fontRef idx="minor">
-            <a:schemeClr val="tx1"/>
-          </a:fontRef>
-        </p:style>
-      </p:cxnSp>
-      <p:cxnSp>
-        <p:nvCxnSpPr>
-          <p:cNvPr id="55" name="Connector: Elbow 54">
-            <a:extLst>
-              <a:ext uri="{FF2B5EF4-FFF2-40B4-BE49-F238E27FC236}">
-                <a16:creationId xmlns:a16="http://schemas.microsoft.com/office/drawing/2014/main" id="{16390E07-9D52-4125-972D-D1A05BAF2E44}"/>
-              </a:ext>
-            </a:extLst>
-          </p:cNvPr>
-          <p:cNvCxnSpPr>
-            <a:cxnSpLocks/>
-            <a:stCxn id="10" idx="0"/>
-            <a:endCxn id="45" idx="3"/>
-          </p:cNvCxnSpPr>
-          <p:nvPr/>
-        </p:nvCxnSpPr>
-        <p:spPr>
-          <a:xfrm rot="16200000" flipV="1">
-            <a:off x="2313933" y="4863596"/>
-            <a:ext cx="999432" cy="346175"/>
-          </a:xfrm>
-          <a:prstGeom prst="bentConnector2">
-            <a:avLst/>
-          </a:prstGeom>
-          <a:ln>
-            <a:tailEnd type="triangle"/>
-          </a:ln>
-        </p:spPr>
-        <p:style>
-          <a:lnRef idx="3">
-            <a:schemeClr val="dk1"/>
-          </a:lnRef>
-          <a:fillRef idx="0">
-            <a:schemeClr val="dk1"/>
-          </a:fillRef>
-          <a:effectRef idx="2">
-            <a:schemeClr val="dk1"/>
-          </a:effectRef>
-          <a:fontRef idx="minor">
-            <a:schemeClr val="tx1"/>
-          </a:fontRef>
-        </p:style>
-      </p:cxnSp>
-      <p:cxnSp>
-        <p:nvCxnSpPr>
-          <p:cNvPr id="58" name="Connector: Elbow 57">
-            <a:extLst>
-              <a:ext uri="{FF2B5EF4-FFF2-40B4-BE49-F238E27FC236}">
-                <a16:creationId xmlns:a16="http://schemas.microsoft.com/office/drawing/2014/main" id="{3398E447-2E27-4DBC-9236-7AD0BAF658CC}"/>
-              </a:ext>
-            </a:extLst>
-          </p:cNvPr>
-          <p:cNvCxnSpPr>
-            <a:cxnSpLocks/>
-            <a:stCxn id="37" idx="1"/>
-            <a:endCxn id="38" idx="3"/>
-          </p:cNvCxnSpPr>
-          <p:nvPr/>
-        </p:nvCxnSpPr>
-        <p:spPr>
-          <a:xfrm rot="10800000" flipV="1">
-            <a:off x="5736590" y="1213523"/>
-            <a:ext cx="1906256" cy="649706"/>
+          <a:xfrm rot="10800000">
+            <a:off x="6229928" y="3131450"/>
+            <a:ext cx="508395" cy="1361470"/>
           </a:xfrm>
           <a:prstGeom prst="bentConnector3">
             <a:avLst>
@@ -9446,7 +8837,7 @@
         </p:nvSpPr>
         <p:spPr>
           <a:xfrm>
-            <a:off x="7642846" y="2366162"/>
+            <a:off x="9489437" y="3865209"/>
             <a:ext cx="2508308" cy="379602"/>
           </a:xfrm>
           <a:prstGeom prst="roundRect">
@@ -9568,7 +8959,7 @@
         </p:nvSpPr>
         <p:spPr>
           <a:xfrm>
-            <a:off x="4289070" y="4386705"/>
+            <a:off x="7268716" y="3049398"/>
             <a:ext cx="1447520" cy="379602"/>
           </a:xfrm>
           <a:prstGeom prst="roundRect">
@@ -9629,7 +9020,7 @@
         </p:nvSpPr>
         <p:spPr>
           <a:xfrm>
-            <a:off x="7642846" y="3057722"/>
+            <a:off x="9489437" y="4724241"/>
             <a:ext cx="2508308" cy="379602"/>
           </a:xfrm>
           <a:prstGeom prst="roundRect">
@@ -9690,20 +9081,20 @@
         </p:nvSpPr>
         <p:spPr>
           <a:xfrm>
-            <a:off x="7642846" y="3749282"/>
+            <a:off x="3587690" y="4968964"/>
             <a:ext cx="2508308" cy="379602"/>
           </a:xfrm>
           <a:prstGeom prst="roundRect">
             <a:avLst/>
           </a:prstGeom>
-          <a:pattFill prst="pct5">
-            <a:fgClr>
-              <a:schemeClr val="accent2"/>
-            </a:fgClr>
-            <a:bgClr>
+          <a:solidFill>
+            <a:schemeClr val="accent3"/>
+          </a:solidFill>
+          <a:ln>
+            <a:solidFill>
               <a:schemeClr val="bg1"/>
-            </a:bgClr>
-          </a:pattFill>
+            </a:solidFill>
+          </a:ln>
         </p:spPr>
         <p:style>
           <a:lnRef idx="2">
@@ -9729,7 +9120,7 @@
             <a:r>
               <a:rPr lang="en-GB" dirty="0">
                 <a:solidFill>
-                  <a:schemeClr val="tx1"/>
+                  <a:schemeClr val="bg1"/>
                 </a:solidFill>
               </a:rPr>
               <a:t>rjd3revisions</a:t>
@@ -9737,180 +9128,6 @@
           </a:p>
         </p:txBody>
       </p:sp>
-      <p:cxnSp>
-        <p:nvCxnSpPr>
-          <p:cNvPr id="32" name="Connector: Elbow 31">
-            <a:extLst>
-              <a:ext uri="{FF2B5EF4-FFF2-40B4-BE49-F238E27FC236}">
-                <a16:creationId xmlns:a16="http://schemas.microsoft.com/office/drawing/2014/main" id="{F569D2AB-1927-44F1-A78B-8CE032E5A8FB}"/>
-              </a:ext>
-            </a:extLst>
-          </p:cNvPr>
-          <p:cNvCxnSpPr>
-            <a:cxnSpLocks/>
-            <a:stCxn id="27" idx="0"/>
-            <a:endCxn id="5" idx="3"/>
-          </p:cNvCxnSpPr>
-          <p:nvPr/>
-        </p:nvCxnSpPr>
-        <p:spPr>
-          <a:xfrm rot="16200000" flipV="1">
-            <a:off x="3386016" y="2179597"/>
-            <a:ext cx="881360" cy="2372269"/>
-          </a:xfrm>
-          <a:prstGeom prst="bentConnector2">
-            <a:avLst/>
-          </a:prstGeom>
-          <a:ln>
-            <a:tailEnd type="triangle"/>
-          </a:ln>
-        </p:spPr>
-        <p:style>
-          <a:lnRef idx="3">
-            <a:schemeClr val="dk1"/>
-          </a:lnRef>
-          <a:fillRef idx="0">
-            <a:schemeClr val="dk1"/>
-          </a:fillRef>
-          <a:effectRef idx="2">
-            <a:schemeClr val="dk1"/>
-          </a:effectRef>
-          <a:fontRef idx="minor">
-            <a:schemeClr val="tx1"/>
-          </a:fontRef>
-        </p:style>
-      </p:cxnSp>
-      <p:cxnSp>
-        <p:nvCxnSpPr>
-          <p:cNvPr id="69" name="Connector: Elbow 68">
-            <a:extLst>
-              <a:ext uri="{FF2B5EF4-FFF2-40B4-BE49-F238E27FC236}">
-                <a16:creationId xmlns:a16="http://schemas.microsoft.com/office/drawing/2014/main" id="{DE719807-6857-456F-9838-2CA73978B7C3}"/>
-              </a:ext>
-            </a:extLst>
-          </p:cNvPr>
-          <p:cNvCxnSpPr>
-            <a:cxnSpLocks/>
-            <a:stCxn id="10" idx="0"/>
-            <a:endCxn id="29" idx="1"/>
-          </p:cNvCxnSpPr>
-          <p:nvPr/>
-        </p:nvCxnSpPr>
-        <p:spPr>
-          <a:xfrm rot="5400000" flipH="1" flipV="1">
-            <a:off x="3157956" y="4405286"/>
-            <a:ext cx="959894" cy="1302334"/>
-          </a:xfrm>
-          <a:prstGeom prst="bentConnector2">
-            <a:avLst/>
-          </a:prstGeom>
-          <a:ln>
-            <a:prstDash val="dash"/>
-            <a:tailEnd type="triangle"/>
-          </a:ln>
-        </p:spPr>
-        <p:style>
-          <a:lnRef idx="3">
-            <a:schemeClr val="dk1"/>
-          </a:lnRef>
-          <a:fillRef idx="0">
-            <a:schemeClr val="dk1"/>
-          </a:fillRef>
-          <a:effectRef idx="2">
-            <a:schemeClr val="dk1"/>
-          </a:effectRef>
-          <a:fontRef idx="minor">
-            <a:schemeClr val="tx1"/>
-          </a:fontRef>
-        </p:style>
-      </p:cxnSp>
-      <p:cxnSp>
-        <p:nvCxnSpPr>
-          <p:cNvPr id="74" name="Connector: Elbow 73">
-            <a:extLst>
-              <a:ext uri="{FF2B5EF4-FFF2-40B4-BE49-F238E27FC236}">
-                <a16:creationId xmlns:a16="http://schemas.microsoft.com/office/drawing/2014/main" id="{A6B32B4F-C3EB-4518-8A94-E38B1552232D}"/>
-              </a:ext>
-            </a:extLst>
-          </p:cNvPr>
-          <p:cNvCxnSpPr>
-            <a:cxnSpLocks/>
-            <a:stCxn id="10" idx="0"/>
-            <a:endCxn id="27" idx="1"/>
-          </p:cNvCxnSpPr>
-          <p:nvPr/>
-        </p:nvCxnSpPr>
-        <p:spPr>
-          <a:xfrm rot="5400000" flipH="1" flipV="1">
-            <a:off x="2867810" y="4115140"/>
-            <a:ext cx="1540187" cy="1302334"/>
-          </a:xfrm>
-          <a:prstGeom prst="bentConnector2">
-            <a:avLst/>
-          </a:prstGeom>
-          <a:ln>
-            <a:prstDash val="dash"/>
-            <a:tailEnd type="triangle"/>
-          </a:ln>
-        </p:spPr>
-        <p:style>
-          <a:lnRef idx="3">
-            <a:schemeClr val="dk1"/>
-          </a:lnRef>
-          <a:fillRef idx="0">
-            <a:schemeClr val="dk1"/>
-          </a:fillRef>
-          <a:effectRef idx="2">
-            <a:schemeClr val="dk1"/>
-          </a:effectRef>
-          <a:fontRef idx="minor">
-            <a:schemeClr val="tx1"/>
-          </a:fontRef>
-        </p:style>
-      </p:cxnSp>
-      <p:cxnSp>
-        <p:nvCxnSpPr>
-          <p:cNvPr id="82" name="Connector: Elbow 81">
-            <a:extLst>
-              <a:ext uri="{FF2B5EF4-FFF2-40B4-BE49-F238E27FC236}">
-                <a16:creationId xmlns:a16="http://schemas.microsoft.com/office/drawing/2014/main" id="{CE05A467-D69F-43D0-BA4B-40EF39E731C2}"/>
-              </a:ext>
-            </a:extLst>
-          </p:cNvPr>
-          <p:cNvCxnSpPr>
-            <a:cxnSpLocks/>
-            <a:stCxn id="29" idx="0"/>
-            <a:endCxn id="5" idx="3"/>
-          </p:cNvCxnSpPr>
-          <p:nvPr/>
-        </p:nvCxnSpPr>
-        <p:spPr>
-          <a:xfrm rot="16200000" flipV="1">
-            <a:off x="3095870" y="2469744"/>
-            <a:ext cx="1461653" cy="2372269"/>
-          </a:xfrm>
-          <a:prstGeom prst="bentConnector2">
-            <a:avLst/>
-          </a:prstGeom>
-          <a:ln>
-            <a:tailEnd type="triangle"/>
-          </a:ln>
-        </p:spPr>
-        <p:style>
-          <a:lnRef idx="3">
-            <a:schemeClr val="dk1"/>
-          </a:lnRef>
-          <a:fillRef idx="0">
-            <a:schemeClr val="dk1"/>
-          </a:fillRef>
-          <a:effectRef idx="2">
-            <a:schemeClr val="dk1"/>
-          </a:effectRef>
-          <a:fontRef idx="minor">
-            <a:schemeClr val="tx1"/>
-          </a:fontRef>
-        </p:style>
-      </p:cxnSp>
       <p:sp>
         <p:nvSpPr>
           <p:cNvPr id="27" name="Rectangle: Rounded Corners 26">
@@ -9925,7 +9142,7 @@
         </p:nvSpPr>
         <p:spPr>
           <a:xfrm>
-            <a:off x="4289070" y="3806412"/>
+            <a:off x="7268716" y="2473493"/>
             <a:ext cx="1447520" cy="379602"/>
           </a:xfrm>
           <a:prstGeom prst="roundRect">
@@ -9984,14 +9201,391 @@
           <p:cNvCxnSpPr>
             <a:cxnSpLocks/>
             <a:stCxn id="28" idx="1"/>
-            <a:endCxn id="38" idx="3"/>
+            <a:endCxn id="27" idx="0"/>
           </p:cNvCxnSpPr>
           <p:nvPr/>
         </p:nvCxnSpPr>
         <p:spPr>
-          <a:xfrm rot="10800000">
-            <a:off x="5736590" y="1863230"/>
-            <a:ext cx="1906256" cy="8891"/>
+          <a:xfrm rot="10800000" flipH="1" flipV="1">
+            <a:off x="7642846" y="1872119"/>
+            <a:ext cx="349630" cy="601373"/>
+          </a:xfrm>
+          <a:prstGeom prst="bentConnector4">
+            <a:avLst>
+              <a:gd name="adj1" fmla="val -65383"/>
+              <a:gd name="adj2" fmla="val 65781"/>
+            </a:avLst>
+          </a:prstGeom>
+          <a:ln>
+            <a:tailEnd type="triangle"/>
+          </a:ln>
+        </p:spPr>
+        <p:style>
+          <a:lnRef idx="3">
+            <a:schemeClr val="dk1"/>
+          </a:lnRef>
+          <a:fillRef idx="0">
+            <a:schemeClr val="dk1"/>
+          </a:fillRef>
+          <a:effectRef idx="2">
+            <a:schemeClr val="dk1"/>
+          </a:effectRef>
+          <a:fontRef idx="minor">
+            <a:schemeClr val="tx1"/>
+          </a:fontRef>
+        </p:style>
+      </p:cxnSp>
+      <p:cxnSp>
+        <p:nvCxnSpPr>
+          <p:cNvPr id="98" name="Connector: Elbow 97">
+            <a:extLst>
+              <a:ext uri="{FF2B5EF4-FFF2-40B4-BE49-F238E27FC236}">
+                <a16:creationId xmlns:a16="http://schemas.microsoft.com/office/drawing/2014/main" id="{635DE035-726F-405B-B9B6-41683B2196A6}"/>
+              </a:ext>
+            </a:extLst>
+          </p:cNvPr>
+          <p:cNvCxnSpPr>
+            <a:cxnSpLocks/>
+            <a:stCxn id="31" idx="0"/>
+            <a:endCxn id="4" idx="2"/>
+          </p:cNvCxnSpPr>
+          <p:nvPr/>
+        </p:nvCxnSpPr>
+        <p:spPr>
+          <a:xfrm rot="5400000" flipH="1" flipV="1">
+            <a:off x="4441678" y="4023500"/>
+            <a:ext cx="1345631" cy="545298"/>
+          </a:xfrm>
+          <a:prstGeom prst="bentConnector3">
+            <a:avLst>
+              <a:gd name="adj1" fmla="val 50000"/>
+            </a:avLst>
+          </a:prstGeom>
+          <a:ln>
+            <a:tailEnd type="triangle"/>
+          </a:ln>
+        </p:spPr>
+        <p:style>
+          <a:lnRef idx="3">
+            <a:schemeClr val="dk1"/>
+          </a:lnRef>
+          <a:fillRef idx="0">
+            <a:schemeClr val="dk1"/>
+          </a:fillRef>
+          <a:effectRef idx="2">
+            <a:schemeClr val="dk1"/>
+          </a:effectRef>
+          <a:fontRef idx="minor">
+            <a:schemeClr val="tx1"/>
+          </a:fontRef>
+        </p:style>
+      </p:cxnSp>
+      <p:sp>
+        <p:nvSpPr>
+          <p:cNvPr id="3" name="TextBox 2">
+            <a:extLst>
+              <a:ext uri="{FF2B5EF4-FFF2-40B4-BE49-F238E27FC236}">
+                <a16:creationId xmlns:a16="http://schemas.microsoft.com/office/drawing/2014/main" id="{C5829E41-6F25-46E1-9F7E-E4C276859FDC}"/>
+              </a:ext>
+            </a:extLst>
+          </p:cNvPr>
+          <p:cNvSpPr txBox="1"/>
+          <p:nvPr/>
+        </p:nvSpPr>
+        <p:spPr>
+          <a:xfrm>
+            <a:off x="5736591" y="5538367"/>
+            <a:ext cx="4773335" cy="369332"/>
+          </a:xfrm>
+          <a:prstGeom prst="rect">
+            <a:avLst/>
+          </a:prstGeom>
+        </p:spPr>
+        <p:style>
+          <a:lnRef idx="2">
+            <a:schemeClr val="accent1"/>
+          </a:lnRef>
+          <a:fillRef idx="1">
+            <a:schemeClr val="lt1"/>
+          </a:fillRef>
+          <a:effectRef idx="0">
+            <a:schemeClr val="accent1"/>
+          </a:effectRef>
+          <a:fontRef idx="minor">
+            <a:schemeClr val="dk1"/>
+          </a:fontRef>
+        </p:style>
+        <p:txBody>
+          <a:bodyPr wrap="square" rtlCol="0">
+            <a:spAutoFit/>
+          </a:bodyPr>
+          <a:lstStyle/>
+          <a:p>
+            <a:r>
+              <a:rPr lang="en-GB" dirty="0"/>
+              <a:t>https://github.com/rjdemetra</a:t>
+            </a:r>
+          </a:p>
+        </p:txBody>
+      </p:sp>
+      <p:sp>
+        <p:nvSpPr>
+          <p:cNvPr id="6" name="TextBox 5">
+            <a:extLst>
+              <a:ext uri="{FF2B5EF4-FFF2-40B4-BE49-F238E27FC236}">
+                <a16:creationId xmlns:a16="http://schemas.microsoft.com/office/drawing/2014/main" id="{94060462-0386-44C7-A496-0FD1D8B3E94D}"/>
+              </a:ext>
+            </a:extLst>
+          </p:cNvPr>
+          <p:cNvSpPr txBox="1"/>
+          <p:nvPr/>
+        </p:nvSpPr>
+        <p:spPr>
+          <a:xfrm>
+            <a:off x="448464" y="6123543"/>
+            <a:ext cx="3884595" cy="369332"/>
+          </a:xfrm>
+          <a:prstGeom prst="rect">
+            <a:avLst/>
+          </a:prstGeom>
+          <a:noFill/>
+        </p:spPr>
+        <p:txBody>
+          <a:bodyPr wrap="square" rtlCol="0">
+            <a:spAutoFit/>
+          </a:bodyPr>
+          <a:lstStyle/>
+          <a:p>
+            <a:r>
+              <a:rPr lang="en-GB" dirty="0"/>
+              <a:t>Design similar to the Java libraries !</a:t>
+            </a:r>
+          </a:p>
+        </p:txBody>
+      </p:sp>
+      <p:sp>
+        <p:nvSpPr>
+          <p:cNvPr id="7" name="Date Placeholder 6">
+            <a:extLst>
+              <a:ext uri="{FF2B5EF4-FFF2-40B4-BE49-F238E27FC236}">
+                <a16:creationId xmlns:a16="http://schemas.microsoft.com/office/drawing/2014/main" id="{D569E820-D661-444C-ACB5-C8E980ADCA44}"/>
+              </a:ext>
+            </a:extLst>
+          </p:cNvPr>
+          <p:cNvSpPr>
+            <a:spLocks noGrp="1"/>
+          </p:cNvSpPr>
+          <p:nvPr>
+            <p:ph type="dt" sz="half" idx="10"/>
+          </p:nvPr>
+        </p:nvSpPr>
+        <p:spPr/>
+        <p:txBody>
+          <a:bodyPr/>
+          <a:lstStyle/>
+          <a:p>
+            <a:r>
+              <a:rPr lang="fr-FR"/>
+              <a:t>17-19/10/2023</a:t>
+            </a:r>
+            <a:endParaRPr lang="en-GB"/>
+          </a:p>
+        </p:txBody>
+      </p:sp>
+      <p:sp>
+        <p:nvSpPr>
+          <p:cNvPr id="8" name="Footer Placeholder 7">
+            <a:extLst>
+              <a:ext uri="{FF2B5EF4-FFF2-40B4-BE49-F238E27FC236}">
+                <a16:creationId xmlns:a16="http://schemas.microsoft.com/office/drawing/2014/main" id="{1D5A677C-C36A-41FA-B36F-6373ECA1F935}"/>
+              </a:ext>
+            </a:extLst>
+          </p:cNvPr>
+          <p:cNvSpPr>
+            <a:spLocks noGrp="1"/>
+          </p:cNvSpPr>
+          <p:nvPr>
+            <p:ph type="ftr" sz="quarter" idx="11"/>
+          </p:nvPr>
+        </p:nvSpPr>
+        <p:spPr/>
+        <p:txBody>
+          <a:bodyPr/>
+          <a:lstStyle/>
+          <a:p>
+            <a:r>
+              <a:rPr lang="en-GB"/>
+              <a:t>CONTRACTORS ORGANISING SOME OF THE COURSES ARE ACTING UNDER A FRAMEWORK CONTRACT CONCLUDED WITH THE COMMISSION</a:t>
+            </a:r>
+          </a:p>
+        </p:txBody>
+      </p:sp>
+      <p:sp>
+        <p:nvSpPr>
+          <p:cNvPr id="25" name="Rectangle: Rounded Corners 24">
+            <a:extLst>
+              <a:ext uri="{FF2B5EF4-FFF2-40B4-BE49-F238E27FC236}">
+                <a16:creationId xmlns:a16="http://schemas.microsoft.com/office/drawing/2014/main" id="{62A79E5E-27EC-8709-432D-59BEA1597017}"/>
+              </a:ext>
+            </a:extLst>
+          </p:cNvPr>
+          <p:cNvSpPr/>
+          <p:nvPr/>
+        </p:nvSpPr>
+        <p:spPr>
+          <a:xfrm>
+            <a:off x="1721996" y="3107351"/>
+            <a:ext cx="1881574" cy="468525"/>
+          </a:xfrm>
+          <a:prstGeom prst="roundRect">
+            <a:avLst/>
+          </a:prstGeom>
+          <a:solidFill>
+            <a:srgbClr val="00B0F0"/>
+          </a:solidFill>
+          <a:ln>
+            <a:solidFill>
+              <a:srgbClr val="00B0F0"/>
+            </a:solidFill>
+          </a:ln>
+        </p:spPr>
+        <p:style>
+          <a:lnRef idx="2">
+            <a:schemeClr val="accent2">
+              <a:shade val="50000"/>
+            </a:schemeClr>
+          </a:lnRef>
+          <a:fillRef idx="1">
+            <a:schemeClr val="accent2"/>
+          </a:fillRef>
+          <a:effectRef idx="0">
+            <a:schemeClr val="accent2"/>
+          </a:effectRef>
+          <a:fontRef idx="minor">
+            <a:schemeClr val="lt1"/>
+          </a:fontRef>
+        </p:style>
+        <p:txBody>
+          <a:bodyPr rtlCol="0" anchor="ctr"/>
+          <a:lstStyle/>
+          <a:p>
+            <a:pPr algn="ctr"/>
+            <a:r>
+              <a:rPr lang="en-GB" dirty="0"/>
+              <a:t>rjd3providers</a:t>
+            </a:r>
+          </a:p>
+        </p:txBody>
+      </p:sp>
+      <p:cxnSp>
+        <p:nvCxnSpPr>
+          <p:cNvPr id="33" name="Connector: Elbow 32">
+            <a:extLst>
+              <a:ext uri="{FF2B5EF4-FFF2-40B4-BE49-F238E27FC236}">
+                <a16:creationId xmlns:a16="http://schemas.microsoft.com/office/drawing/2014/main" id="{A67C75A8-D420-B4A0-DAC0-172CD0414BA6}"/>
+              </a:ext>
+            </a:extLst>
+          </p:cNvPr>
+          <p:cNvCxnSpPr>
+            <a:cxnSpLocks/>
+            <a:stCxn id="45" idx="3"/>
+            <a:endCxn id="4" idx="0"/>
+          </p:cNvCxnSpPr>
+          <p:nvPr/>
+        </p:nvCxnSpPr>
+        <p:spPr>
+          <a:xfrm flipV="1">
+            <a:off x="3581400" y="2639566"/>
+            <a:ext cx="1805742" cy="47456"/>
+          </a:xfrm>
+          <a:prstGeom prst="bentConnector4">
+            <a:avLst>
+              <a:gd name="adj1" fmla="val 26664"/>
+              <a:gd name="adj2" fmla="val 874871"/>
+            </a:avLst>
+          </a:prstGeom>
+          <a:ln>
+            <a:tailEnd type="triangle"/>
+          </a:ln>
+        </p:spPr>
+        <p:style>
+          <a:lnRef idx="3">
+            <a:schemeClr val="dk1"/>
+          </a:lnRef>
+          <a:fillRef idx="0">
+            <a:schemeClr val="dk1"/>
+          </a:fillRef>
+          <a:effectRef idx="2">
+            <a:schemeClr val="dk1"/>
+          </a:effectRef>
+          <a:fontRef idx="minor">
+            <a:schemeClr val="tx1"/>
+          </a:fontRef>
+        </p:style>
+      </p:cxnSp>
+      <p:cxnSp>
+        <p:nvCxnSpPr>
+          <p:cNvPr id="36" name="Connector: Elbow 35">
+            <a:extLst>
+              <a:ext uri="{FF2B5EF4-FFF2-40B4-BE49-F238E27FC236}">
+                <a16:creationId xmlns:a16="http://schemas.microsoft.com/office/drawing/2014/main" id="{C2393A1D-4F53-9A21-B643-413CA0723464}"/>
+              </a:ext>
+            </a:extLst>
+          </p:cNvPr>
+          <p:cNvCxnSpPr>
+            <a:cxnSpLocks/>
+            <a:stCxn id="44" idx="3"/>
+            <a:endCxn id="4" idx="0"/>
+          </p:cNvCxnSpPr>
+          <p:nvPr/>
+        </p:nvCxnSpPr>
+        <p:spPr>
+          <a:xfrm>
+            <a:off x="3581401" y="2061921"/>
+            <a:ext cx="1805741" cy="577645"/>
+          </a:xfrm>
+          <a:prstGeom prst="bentConnector2">
+            <a:avLst/>
+          </a:prstGeom>
+          <a:ln>
+            <a:tailEnd type="triangle"/>
+          </a:ln>
+        </p:spPr>
+        <p:style>
+          <a:lnRef idx="3">
+            <a:schemeClr val="dk1"/>
+          </a:lnRef>
+          <a:fillRef idx="0">
+            <a:schemeClr val="dk1"/>
+          </a:fillRef>
+          <a:effectRef idx="2">
+            <a:schemeClr val="dk1"/>
+          </a:effectRef>
+          <a:fontRef idx="minor">
+            <a:schemeClr val="tx1"/>
+          </a:fontRef>
+        </p:style>
+      </p:cxnSp>
+      <p:cxnSp>
+        <p:nvCxnSpPr>
+          <p:cNvPr id="50" name="Connector: Elbow 49">
+            <a:extLst>
+              <a:ext uri="{FF2B5EF4-FFF2-40B4-BE49-F238E27FC236}">
+                <a16:creationId xmlns:a16="http://schemas.microsoft.com/office/drawing/2014/main" id="{5AF33670-0DD6-8907-3503-E9555DCF52DD}"/>
+              </a:ext>
+            </a:extLst>
+          </p:cNvPr>
+          <p:cNvCxnSpPr>
+            <a:cxnSpLocks/>
+            <a:stCxn id="25" idx="3"/>
+            <a:endCxn id="4" idx="1"/>
+          </p:cNvCxnSpPr>
+          <p:nvPr/>
+        </p:nvCxnSpPr>
+        <p:spPr>
+          <a:xfrm flipV="1">
+            <a:off x="3603570" y="3131450"/>
+            <a:ext cx="940787" cy="210164"/>
           </a:xfrm>
           <a:prstGeom prst="bentConnector3">
             <a:avLst>
@@ -10019,24 +9613,24 @@
       </p:cxnSp>
       <p:cxnSp>
         <p:nvCxnSpPr>
-          <p:cNvPr id="96" name="Connector: Elbow 95">
-            <a:extLst>
-              <a:ext uri="{FF2B5EF4-FFF2-40B4-BE49-F238E27FC236}">
-                <a16:creationId xmlns:a16="http://schemas.microsoft.com/office/drawing/2014/main" id="{70F1FB3A-625B-437F-87C2-A9423598AE47}"/>
+          <p:cNvPr id="56" name="Connector: Elbow 55">
+            <a:extLst>
+              <a:ext uri="{FF2B5EF4-FFF2-40B4-BE49-F238E27FC236}">
+                <a16:creationId xmlns:a16="http://schemas.microsoft.com/office/drawing/2014/main" id="{8548C5DF-382F-88E4-EF45-E5E114F7B5BD}"/>
               </a:ext>
             </a:extLst>
           </p:cNvPr>
           <p:cNvCxnSpPr>
             <a:cxnSpLocks/>
-            <a:stCxn id="26" idx="1"/>
-            <a:endCxn id="38" idx="3"/>
+            <a:stCxn id="10" idx="0"/>
+            <a:endCxn id="4" idx="2"/>
           </p:cNvCxnSpPr>
           <p:nvPr/>
         </p:nvCxnSpPr>
         <p:spPr>
-          <a:xfrm rot="10800000">
-            <a:off x="5736590" y="1863229"/>
-            <a:ext cx="1906256" cy="692734"/>
+          <a:xfrm rot="5400000" flipH="1" flipV="1">
+            <a:off x="2979133" y="2034699"/>
+            <a:ext cx="819374" cy="3996643"/>
           </a:xfrm>
           <a:prstGeom prst="bentConnector3">
             <a:avLst>
@@ -10064,24 +9658,155 @@
       </p:cxnSp>
       <p:cxnSp>
         <p:nvCxnSpPr>
-          <p:cNvPr id="97" name="Connector: Elbow 96">
-            <a:extLst>
-              <a:ext uri="{FF2B5EF4-FFF2-40B4-BE49-F238E27FC236}">
-                <a16:creationId xmlns:a16="http://schemas.microsoft.com/office/drawing/2014/main" id="{E1228590-1C45-485E-A8F7-32B1693DC92D}"/>
+          <p:cNvPr id="60" name="Connector: Elbow 59">
+            <a:extLst>
+              <a:ext uri="{FF2B5EF4-FFF2-40B4-BE49-F238E27FC236}">
+                <a16:creationId xmlns:a16="http://schemas.microsoft.com/office/drawing/2014/main" id="{1D1443DA-A42D-A171-B629-CFA3CDF073AE}"/>
               </a:ext>
             </a:extLst>
           </p:cNvPr>
           <p:cNvCxnSpPr>
             <a:cxnSpLocks/>
-            <a:stCxn id="30" idx="1"/>
-            <a:endCxn id="38" idx="3"/>
+            <a:stCxn id="10" idx="1"/>
+            <a:endCxn id="25" idx="1"/>
           </p:cNvCxnSpPr>
           <p:nvPr/>
         </p:nvCxnSpPr>
         <p:spPr>
-          <a:xfrm rot="10800000">
-            <a:off x="5736590" y="1863229"/>
-            <a:ext cx="1906256" cy="1384294"/>
+          <a:xfrm rot="10800000" flipH="1">
+            <a:off x="569658" y="3341614"/>
+            <a:ext cx="1152338" cy="1378954"/>
+          </a:xfrm>
+          <a:prstGeom prst="bentConnector3">
+            <a:avLst>
+              <a:gd name="adj1" fmla="val -19838"/>
+            </a:avLst>
+          </a:prstGeom>
+          <a:ln>
+            <a:tailEnd type="triangle"/>
+          </a:ln>
+        </p:spPr>
+        <p:style>
+          <a:lnRef idx="3">
+            <a:schemeClr val="dk1"/>
+          </a:lnRef>
+          <a:fillRef idx="0">
+            <a:schemeClr val="dk1"/>
+          </a:fillRef>
+          <a:effectRef idx="2">
+            <a:schemeClr val="dk1"/>
+          </a:effectRef>
+          <a:fontRef idx="minor">
+            <a:schemeClr val="tx1"/>
+          </a:fontRef>
+        </p:style>
+      </p:cxnSp>
+      <p:cxnSp>
+        <p:nvCxnSpPr>
+          <p:cNvPr id="89" name="Connector: Elbow 88">
+            <a:extLst>
+              <a:ext uri="{FF2B5EF4-FFF2-40B4-BE49-F238E27FC236}">
+                <a16:creationId xmlns:a16="http://schemas.microsoft.com/office/drawing/2014/main" id="{455EFCBC-64AB-499E-3382-DF50BF81039B}"/>
+              </a:ext>
+            </a:extLst>
+          </p:cNvPr>
+          <p:cNvCxnSpPr>
+            <a:cxnSpLocks/>
+            <a:stCxn id="10" idx="0"/>
+            <a:endCxn id="44" idx="1"/>
+          </p:cNvCxnSpPr>
+          <p:nvPr/>
+        </p:nvCxnSpPr>
+        <p:spPr>
+          <a:xfrm rot="5400000" flipH="1" flipV="1">
+            <a:off x="354769" y="3097651"/>
+            <a:ext cx="2380786" cy="309327"/>
+          </a:xfrm>
+          <a:prstGeom prst="bentConnector2">
+            <a:avLst/>
+          </a:prstGeom>
+          <a:ln>
+            <a:tailEnd type="triangle"/>
+          </a:ln>
+        </p:spPr>
+        <p:style>
+          <a:lnRef idx="3">
+            <a:schemeClr val="dk1"/>
+          </a:lnRef>
+          <a:fillRef idx="0">
+            <a:schemeClr val="dk1"/>
+          </a:fillRef>
+          <a:effectRef idx="2">
+            <a:schemeClr val="dk1"/>
+          </a:effectRef>
+          <a:fontRef idx="minor">
+            <a:schemeClr val="tx1"/>
+          </a:fontRef>
+        </p:style>
+      </p:cxnSp>
+      <p:cxnSp>
+        <p:nvCxnSpPr>
+          <p:cNvPr id="100" name="Connector: Elbow 99">
+            <a:extLst>
+              <a:ext uri="{FF2B5EF4-FFF2-40B4-BE49-F238E27FC236}">
+                <a16:creationId xmlns:a16="http://schemas.microsoft.com/office/drawing/2014/main" id="{C14EE022-B35B-3995-6C16-6AA021BB19F2}"/>
+              </a:ext>
+            </a:extLst>
+          </p:cNvPr>
+          <p:cNvCxnSpPr>
+            <a:cxnSpLocks/>
+            <a:stCxn id="10" idx="0"/>
+            <a:endCxn id="45" idx="1"/>
+          </p:cNvCxnSpPr>
+          <p:nvPr/>
+        </p:nvCxnSpPr>
+        <p:spPr>
+          <a:xfrm rot="5400000" flipH="1" flipV="1">
+            <a:off x="667320" y="3410202"/>
+            <a:ext cx="1755685" cy="309327"/>
+          </a:xfrm>
+          <a:prstGeom prst="bentConnector2">
+            <a:avLst/>
+          </a:prstGeom>
+          <a:ln>
+            <a:tailEnd type="triangle"/>
+          </a:ln>
+        </p:spPr>
+        <p:style>
+          <a:lnRef idx="3">
+            <a:schemeClr val="dk1"/>
+          </a:lnRef>
+          <a:fillRef idx="0">
+            <a:schemeClr val="dk1"/>
+          </a:fillRef>
+          <a:effectRef idx="2">
+            <a:schemeClr val="dk1"/>
+          </a:effectRef>
+          <a:fontRef idx="minor">
+            <a:schemeClr val="tx1"/>
+          </a:fontRef>
+        </p:style>
+      </p:cxnSp>
+      <p:cxnSp>
+        <p:nvCxnSpPr>
+          <p:cNvPr id="157" name="Connector: Elbow 156">
+            <a:extLst>
+              <a:ext uri="{FF2B5EF4-FFF2-40B4-BE49-F238E27FC236}">
+                <a16:creationId xmlns:a16="http://schemas.microsoft.com/office/drawing/2014/main" id="{9E2F010D-CCD0-2154-7B82-5EF6824650B4}"/>
+              </a:ext>
+            </a:extLst>
+          </p:cNvPr>
+          <p:cNvCxnSpPr>
+            <a:cxnSpLocks/>
+            <a:stCxn id="27" idx="1"/>
+            <a:endCxn id="4" idx="3"/>
+          </p:cNvCxnSpPr>
+          <p:nvPr/>
+        </p:nvCxnSpPr>
+        <p:spPr>
+          <a:xfrm rot="10800000" flipV="1">
+            <a:off x="6229928" y="2663294"/>
+            <a:ext cx="1038789" cy="468156"/>
           </a:xfrm>
           <a:prstGeom prst="bentConnector3">
             <a:avLst>
@@ -10107,286 +9832,6 @@
           </a:fontRef>
         </p:style>
       </p:cxnSp>
-      <p:cxnSp>
-        <p:nvCxnSpPr>
-          <p:cNvPr id="98" name="Connector: Elbow 97">
-            <a:extLst>
-              <a:ext uri="{FF2B5EF4-FFF2-40B4-BE49-F238E27FC236}">
-                <a16:creationId xmlns:a16="http://schemas.microsoft.com/office/drawing/2014/main" id="{635DE035-726F-405B-B9B6-41683B2196A6}"/>
-              </a:ext>
-            </a:extLst>
-          </p:cNvPr>
-          <p:cNvCxnSpPr>
-            <a:cxnSpLocks/>
-            <a:stCxn id="31" idx="1"/>
-            <a:endCxn id="38" idx="3"/>
-          </p:cNvCxnSpPr>
-          <p:nvPr/>
-        </p:nvCxnSpPr>
-        <p:spPr>
-          <a:xfrm rot="10800000">
-            <a:off x="5736590" y="1863229"/>
-            <a:ext cx="1906256" cy="2075854"/>
-          </a:xfrm>
-          <a:prstGeom prst="bentConnector3">
-            <a:avLst>
-              <a:gd name="adj1" fmla="val 50000"/>
-            </a:avLst>
-          </a:prstGeom>
-          <a:ln>
-            <a:tailEnd type="triangle"/>
-          </a:ln>
-        </p:spPr>
-        <p:style>
-          <a:lnRef idx="3">
-            <a:schemeClr val="dk1"/>
-          </a:lnRef>
-          <a:fillRef idx="0">
-            <a:schemeClr val="dk1"/>
-          </a:fillRef>
-          <a:effectRef idx="2">
-            <a:schemeClr val="dk1"/>
-          </a:effectRef>
-          <a:fontRef idx="minor">
-            <a:schemeClr val="tx1"/>
-          </a:fontRef>
-        </p:style>
-      </p:cxnSp>
-      <p:sp>
-        <p:nvSpPr>
-          <p:cNvPr id="3" name="TextBox 2">
-            <a:extLst>
-              <a:ext uri="{FF2B5EF4-FFF2-40B4-BE49-F238E27FC236}">
-                <a16:creationId xmlns:a16="http://schemas.microsoft.com/office/drawing/2014/main" id="{C5829E41-6F25-46E1-9F7E-E4C276859FDC}"/>
-              </a:ext>
-            </a:extLst>
-          </p:cNvPr>
-          <p:cNvSpPr txBox="1"/>
-          <p:nvPr/>
-        </p:nvSpPr>
-        <p:spPr>
-          <a:xfrm>
-            <a:off x="5736591" y="5538367"/>
-            <a:ext cx="4773335" cy="369332"/>
-          </a:xfrm>
-          <a:prstGeom prst="rect">
-            <a:avLst/>
-          </a:prstGeom>
-        </p:spPr>
-        <p:style>
-          <a:lnRef idx="2">
-            <a:schemeClr val="accent1"/>
-          </a:lnRef>
-          <a:fillRef idx="1">
-            <a:schemeClr val="lt1"/>
-          </a:fillRef>
-          <a:effectRef idx="0">
-            <a:schemeClr val="accent1"/>
-          </a:effectRef>
-          <a:fontRef idx="minor">
-            <a:schemeClr val="dk1"/>
-          </a:fontRef>
-        </p:style>
-        <p:txBody>
-          <a:bodyPr wrap="square" rtlCol="0">
-            <a:spAutoFit/>
-          </a:bodyPr>
-          <a:lstStyle/>
-          <a:p>
-            <a:r>
-              <a:rPr lang="en-GB"/>
-              <a:t>https://github.com/palatej?tab=repositories</a:t>
-            </a:r>
-            <a:endParaRPr lang="en-GB" dirty="0"/>
-          </a:p>
-        </p:txBody>
-      </p:sp>
-      <p:sp>
-        <p:nvSpPr>
-          <p:cNvPr id="6" name="TextBox 5">
-            <a:extLst>
-              <a:ext uri="{FF2B5EF4-FFF2-40B4-BE49-F238E27FC236}">
-                <a16:creationId xmlns:a16="http://schemas.microsoft.com/office/drawing/2014/main" id="{94060462-0386-44C7-A496-0FD1D8B3E94D}"/>
-              </a:ext>
-            </a:extLst>
-          </p:cNvPr>
-          <p:cNvSpPr txBox="1"/>
-          <p:nvPr/>
-        </p:nvSpPr>
-        <p:spPr>
-          <a:xfrm>
-            <a:off x="448464" y="6123543"/>
-            <a:ext cx="3884595" cy="369332"/>
-          </a:xfrm>
-          <a:prstGeom prst="rect">
-            <a:avLst/>
-          </a:prstGeom>
-          <a:noFill/>
-        </p:spPr>
-        <p:txBody>
-          <a:bodyPr wrap="square" rtlCol="0">
-            <a:spAutoFit/>
-          </a:bodyPr>
-          <a:lstStyle/>
-          <a:p>
-            <a:r>
-              <a:rPr lang="en-GB" dirty="0"/>
-              <a:t>Design similar to the Java libraries !</a:t>
-            </a:r>
-          </a:p>
-        </p:txBody>
-      </p:sp>
-      <p:sp>
-        <p:nvSpPr>
-          <p:cNvPr id="38" name="Rectangle: Rounded Corners 37">
-            <a:extLst>
-              <a:ext uri="{FF2B5EF4-FFF2-40B4-BE49-F238E27FC236}">
-                <a16:creationId xmlns:a16="http://schemas.microsoft.com/office/drawing/2014/main" id="{41C338B2-1DD8-4176-A132-1F7775247C73}"/>
-              </a:ext>
-            </a:extLst>
-          </p:cNvPr>
-          <p:cNvSpPr/>
-          <p:nvPr/>
-        </p:nvSpPr>
-        <p:spPr>
-          <a:xfrm>
-            <a:off x="4127383" y="1673427"/>
-            <a:ext cx="1609207" cy="379603"/>
-          </a:xfrm>
-          <a:prstGeom prst="roundRect">
-            <a:avLst/>
-          </a:prstGeom>
-        </p:spPr>
-        <p:style>
-          <a:lnRef idx="2">
-            <a:schemeClr val="accent2">
-              <a:shade val="50000"/>
-            </a:schemeClr>
-          </a:lnRef>
-          <a:fillRef idx="1">
-            <a:schemeClr val="accent2"/>
-          </a:fillRef>
-          <a:effectRef idx="0">
-            <a:schemeClr val="accent2"/>
-          </a:effectRef>
-          <a:fontRef idx="minor">
-            <a:schemeClr val="lt1"/>
-          </a:fontRef>
-        </p:style>
-        <p:txBody>
-          <a:bodyPr rtlCol="0" anchor="ctr"/>
-          <a:lstStyle/>
-          <a:p>
-            <a:pPr algn="ctr"/>
-            <a:r>
-              <a:rPr lang="en-GB" dirty="0"/>
-              <a:t>rjd3modelling</a:t>
-            </a:r>
-          </a:p>
-        </p:txBody>
-      </p:sp>
-      <p:cxnSp>
-        <p:nvCxnSpPr>
-          <p:cNvPr id="47" name="Connector: Elbow 46">
-            <a:extLst>
-              <a:ext uri="{FF2B5EF4-FFF2-40B4-BE49-F238E27FC236}">
-                <a16:creationId xmlns:a16="http://schemas.microsoft.com/office/drawing/2014/main" id="{E59E64B9-849F-474F-8BD7-2ABBDF2366CC}"/>
-              </a:ext>
-            </a:extLst>
-          </p:cNvPr>
-          <p:cNvCxnSpPr>
-            <a:cxnSpLocks/>
-            <a:stCxn id="38" idx="0"/>
-            <a:endCxn id="4" idx="2"/>
-          </p:cNvCxnSpPr>
-          <p:nvPr/>
-        </p:nvCxnSpPr>
-        <p:spPr>
-          <a:xfrm rot="5400000" flipH="1" flipV="1">
-            <a:off x="4836083" y="1577523"/>
-            <a:ext cx="191808" cy="1"/>
-          </a:xfrm>
-          <a:prstGeom prst="bentConnector3">
-            <a:avLst>
-              <a:gd name="adj1" fmla="val 50000"/>
-            </a:avLst>
-          </a:prstGeom>
-          <a:ln>
-            <a:tailEnd type="triangle"/>
-          </a:ln>
-        </p:spPr>
-        <p:style>
-          <a:lnRef idx="3">
-            <a:schemeClr val="dk1"/>
-          </a:lnRef>
-          <a:fillRef idx="0">
-            <a:schemeClr val="dk1"/>
-          </a:fillRef>
-          <a:effectRef idx="2">
-            <a:schemeClr val="dk1"/>
-          </a:effectRef>
-          <a:fontRef idx="minor">
-            <a:schemeClr val="tx1"/>
-          </a:fontRef>
-        </p:style>
-      </p:cxnSp>
-      <p:sp>
-        <p:nvSpPr>
-          <p:cNvPr id="7" name="Date Placeholder 6">
-            <a:extLst>
-              <a:ext uri="{FF2B5EF4-FFF2-40B4-BE49-F238E27FC236}">
-                <a16:creationId xmlns:a16="http://schemas.microsoft.com/office/drawing/2014/main" id="{D569E820-D661-444C-ACB5-C8E980ADCA44}"/>
-              </a:ext>
-            </a:extLst>
-          </p:cNvPr>
-          <p:cNvSpPr>
-            <a:spLocks noGrp="1"/>
-          </p:cNvSpPr>
-          <p:nvPr>
-            <p:ph type="dt" sz="half" idx="10"/>
-          </p:nvPr>
-        </p:nvSpPr>
-        <p:spPr/>
-        <p:txBody>
-          <a:bodyPr/>
-          <a:lstStyle/>
-          <a:p>
-            <a:r>
-              <a:rPr lang="fr-FR"/>
-              <a:t>17-19/10/2023</a:t>
-            </a:r>
-            <a:endParaRPr lang="en-GB"/>
-          </a:p>
-        </p:txBody>
-      </p:sp>
-      <p:sp>
-        <p:nvSpPr>
-          <p:cNvPr id="8" name="Footer Placeholder 7">
-            <a:extLst>
-              <a:ext uri="{FF2B5EF4-FFF2-40B4-BE49-F238E27FC236}">
-                <a16:creationId xmlns:a16="http://schemas.microsoft.com/office/drawing/2014/main" id="{1D5A677C-C36A-41FA-B36F-6373ECA1F935}"/>
-              </a:ext>
-            </a:extLst>
-          </p:cNvPr>
-          <p:cNvSpPr>
-            <a:spLocks noGrp="1"/>
-          </p:cNvSpPr>
-          <p:nvPr>
-            <p:ph type="ftr" sz="quarter" idx="11"/>
-          </p:nvPr>
-        </p:nvSpPr>
-        <p:spPr/>
-        <p:txBody>
-          <a:bodyPr/>
-          <a:lstStyle/>
-          <a:p>
-            <a:r>
-              <a:rPr lang="en-GB"/>
-              <a:t>CONTRACTORS ORGANISING SOME OF THE COURSES ARE ACTING UNDER A FRAMEWORK CONTRACT CONCLUDED WITH THE COMMISSION</a:t>
-            </a:r>
-          </a:p>
-        </p:txBody>
-      </p:sp>
     </p:spTree>
     <p:extLst>
       <p:ext uri="{BB962C8B-B14F-4D97-AF65-F5344CB8AC3E}">
@@ -11187,7 +10632,7 @@
           <a:p>
             <a:r>
               <a:rPr lang="fr-BE" dirty="0"/>
-              <a:t>Objectives of R packages</a:t>
+              <a:t>5. Objectives of R packages</a:t>
             </a:r>
           </a:p>
         </p:txBody>
@@ -11265,12 +10710,8 @@
           </a:p>
           <a:p>
             <a:r>
-              <a:rPr lang="fr-BE" dirty="0"/>
-              <a:t>Low-</a:t>
-            </a:r>
-            <a:r>
               <a:rPr lang="fr-BE" dirty="0" err="1"/>
-              <a:t>level</a:t>
+              <a:t>Many</a:t>
             </a:r>
             <a:r>
               <a:rPr lang="fr-BE" dirty="0"/>
@@ -11278,6 +10719,14 @@
             </a:r>
             <a:r>
               <a:rPr lang="fr-BE" dirty="0" err="1"/>
+              <a:t>low-level</a:t>
+            </a:r>
+            <a:r>
+              <a:rPr lang="fr-BE" dirty="0"/>
+              <a:t> </a:t>
+            </a:r>
+            <a:r>
+              <a:rPr lang="fr-BE" dirty="0" err="1"/>
               <a:t>functions</a:t>
             </a:r>
             <a:endParaRPr lang="fr-BE" dirty="0"/>
@@ -11308,6 +10757,22 @@
               <a:rPr lang="fr-BE" dirty="0"/>
               <a:t>Training</a:t>
             </a:r>
+          </a:p>
+          <a:p>
+            <a:pPr lvl="1"/>
+            <a:r>
+              <a:rPr lang="fr-BE" dirty="0" err="1"/>
+              <a:t>Additional</a:t>
+            </a:r>
+            <a:r>
+              <a:rPr lang="fr-BE" dirty="0"/>
+              <a:t> </a:t>
+            </a:r>
+            <a:r>
+              <a:rPr lang="fr-BE" dirty="0" err="1"/>
+              <a:t>tools</a:t>
+            </a:r>
+            <a:endParaRPr lang="fr-BE" dirty="0"/>
           </a:p>
         </p:txBody>
       </p:sp>
@@ -11403,7 +10868,7 @@
           <p:cNvPr id="2" name="Title 1">
             <a:extLst>
               <a:ext uri="{FF2B5EF4-FFF2-40B4-BE49-F238E27FC236}">
-                <a16:creationId xmlns:a16="http://schemas.microsoft.com/office/drawing/2014/main" id="{3DB888CF-D942-4E7C-A9B4-383B09FBFD4B}"/>
+                <a16:creationId xmlns:a16="http://schemas.microsoft.com/office/drawing/2014/main" id="{E71655A1-78C9-352D-8AC1-F6987AE95425}"/>
               </a:ext>
             </a:extLst>
           </p:cNvPr>
@@ -11420,12 +10885,16 @@
           <a:lstStyle/>
           <a:p>
             <a:r>
-              <a:rPr lang="en-GB" dirty="0" err="1"/>
-              <a:t>TramoSeats</a:t>
-            </a:r>
-            <a:r>
-              <a:rPr lang="en-GB" dirty="0"/>
-              <a:t> / X13 packages</a:t>
+              <a:rPr lang="fr-BE" dirty="0"/>
+              <a:t>6. </a:t>
+            </a:r>
+            <a:r>
+              <a:rPr lang="fr-BE" dirty="0" err="1"/>
+              <a:t>Installing</a:t>
+            </a:r>
+            <a:r>
+              <a:rPr lang="fr-BE" dirty="0"/>
+              <a:t> the packages</a:t>
             </a:r>
           </a:p>
         </p:txBody>
@@ -11435,7 +10904,7 @@
           <p:cNvPr id="3" name="Content Placeholder 2">
             <a:extLst>
               <a:ext uri="{FF2B5EF4-FFF2-40B4-BE49-F238E27FC236}">
-                <a16:creationId xmlns:a16="http://schemas.microsoft.com/office/drawing/2014/main" id="{F0B8FE6E-8ADC-40DB-B7B3-C255246842FC}"/>
+                <a16:creationId xmlns:a16="http://schemas.microsoft.com/office/drawing/2014/main" id="{927406D7-6535-6D75-9551-7A6E63F7CBB6}"/>
               </a:ext>
             </a:extLst>
           </p:cNvPr>
@@ -11446,46 +10915,235 @@
             <p:ph idx="1"/>
           </p:nvPr>
         </p:nvSpPr>
+        <p:spPr>
+          <a:xfrm>
+            <a:off x="838200" y="1690688"/>
+            <a:ext cx="10515600" cy="4351338"/>
+          </a:xfrm>
+        </p:spPr>
+        <p:txBody>
+          <a:bodyPr/>
+          <a:lstStyle/>
+          <a:p>
+            <a:r>
+              <a:rPr lang="fr-BE" dirty="0"/>
+              <a:t>If </a:t>
+            </a:r>
+            <a:r>
+              <a:rPr lang="fr-BE" dirty="0" err="1"/>
+              <a:t>need</a:t>
+            </a:r>
+            <a:r>
+              <a:rPr lang="fr-BE" dirty="0"/>
+              <a:t> </a:t>
+            </a:r>
+            <a:r>
+              <a:rPr lang="fr-BE" dirty="0" err="1"/>
+              <a:t>be</a:t>
+            </a:r>
+            <a:r>
+              <a:rPr lang="fr-BE" dirty="0"/>
+              <a:t>, </a:t>
+            </a:r>
+            <a:r>
+              <a:rPr lang="fr-BE" dirty="0" err="1"/>
+              <a:t>referencing</a:t>
+            </a:r>
+            <a:r>
+              <a:rPr lang="fr-BE" dirty="0"/>
+              <a:t> the correct java runtime (&gt;= 17.0)</a:t>
+            </a:r>
+          </a:p>
+          <a:p>
+            <a:endParaRPr lang="fr-BE" dirty="0"/>
+          </a:p>
+          <a:p>
+            <a:endParaRPr lang="fr-BE" dirty="0"/>
+          </a:p>
+          <a:p>
+            <a:pPr lvl="1"/>
+            <a:r>
+              <a:rPr lang="fr-BE" dirty="0"/>
+              <a:t>Set </a:t>
+            </a:r>
+            <a:r>
+              <a:rPr lang="fr-BE" dirty="0" err="1"/>
+              <a:t>your</a:t>
+            </a:r>
+            <a:r>
+              <a:rPr lang="fr-BE" dirty="0"/>
+              <a:t> JAVA_HOME variable (tip: use the </a:t>
+            </a:r>
+            <a:r>
+              <a:rPr lang="fr-BE" dirty="0" err="1"/>
+              <a:t>jre</a:t>
+            </a:r>
+            <a:r>
+              <a:rPr lang="fr-BE" dirty="0"/>
+              <a:t> </a:t>
+            </a:r>
+            <a:r>
+              <a:rPr lang="fr-BE" dirty="0" err="1"/>
+              <a:t>provided</a:t>
+            </a:r>
+            <a:r>
+              <a:rPr lang="fr-BE" dirty="0"/>
+              <a:t> </a:t>
+            </a:r>
+            <a:r>
+              <a:rPr lang="fr-BE" dirty="0" err="1"/>
+              <a:t>with</a:t>
+            </a:r>
+            <a:r>
+              <a:rPr lang="fr-BE" dirty="0"/>
+              <a:t> JD+)</a:t>
+            </a:r>
+          </a:p>
+          <a:p>
+            <a:endParaRPr lang="fr-BE" dirty="0"/>
+          </a:p>
+          <a:p>
+            <a:pPr lvl="1"/>
+            <a:endParaRPr lang="fr-BE" dirty="0"/>
+          </a:p>
+          <a:p>
+            <a:r>
+              <a:rPr lang="fr-BE" dirty="0"/>
+              <a:t>Install the </a:t>
+            </a:r>
+            <a:r>
+              <a:rPr lang="fr-BE" dirty="0" err="1"/>
+              <a:t>various</a:t>
+            </a:r>
+            <a:r>
+              <a:rPr lang="fr-BE" dirty="0"/>
+              <a:t> packages (internet </a:t>
+            </a:r>
+            <a:r>
+              <a:rPr lang="fr-BE" dirty="0" err="1"/>
+              <a:t>access</a:t>
+            </a:r>
+            <a:r>
+              <a:rPr lang="fr-BE" dirty="0"/>
+              <a:t> </a:t>
+            </a:r>
+            <a:r>
+              <a:rPr lang="fr-BE" dirty="0" err="1"/>
+              <a:t>needed</a:t>
+            </a:r>
+            <a:r>
+              <a:rPr lang="fr-BE" dirty="0"/>
+              <a:t>)</a:t>
+            </a:r>
+          </a:p>
+          <a:p>
+            <a:pPr lvl="1"/>
+            <a:r>
+              <a:rPr lang="fr-BE" dirty="0" err="1"/>
+              <a:t>remotes</a:t>
+            </a:r>
+            <a:r>
+              <a:rPr lang="fr-BE" dirty="0"/>
+              <a:t>::</a:t>
+            </a:r>
+            <a:r>
+              <a:rPr lang="fr-BE" dirty="0" err="1"/>
+              <a:t>install_github</a:t>
+            </a:r>
+            <a:r>
+              <a:rPr lang="fr-BE" dirty="0"/>
+              <a:t>("</a:t>
+            </a:r>
+            <a:r>
+              <a:rPr lang="fr-BE" dirty="0" err="1"/>
+              <a:t>rjdemetra</a:t>
+            </a:r>
+            <a:r>
+              <a:rPr lang="fr-BE" dirty="0"/>
+              <a:t>/rjd3tramoseats", "main", </a:t>
+            </a:r>
+            <a:r>
+              <a:rPr lang="fr-BE" dirty="0" err="1"/>
+              <a:t>INSTALL_opts</a:t>
+            </a:r>
+            <a:r>
+              <a:rPr lang="fr-BE" dirty="0"/>
+              <a:t>='--no-</a:t>
+            </a:r>
+            <a:r>
+              <a:rPr lang="fr-BE" dirty="0" err="1"/>
+              <a:t>multiarch</a:t>
+            </a:r>
+            <a:r>
+              <a:rPr lang="fr-BE" dirty="0"/>
+              <a:t>')…</a:t>
+            </a:r>
+          </a:p>
+        </p:txBody>
+      </p:sp>
+      <p:sp>
+        <p:nvSpPr>
+          <p:cNvPr id="4" name="Date Placeholder 3">
+            <a:extLst>
+              <a:ext uri="{FF2B5EF4-FFF2-40B4-BE49-F238E27FC236}">
+                <a16:creationId xmlns:a16="http://schemas.microsoft.com/office/drawing/2014/main" id="{E158B14C-3977-88D4-7A80-F11F3CDF24EF}"/>
+              </a:ext>
+            </a:extLst>
+          </p:cNvPr>
+          <p:cNvSpPr>
+            <a:spLocks noGrp="1"/>
+          </p:cNvSpPr>
+          <p:nvPr>
+            <p:ph type="dt" sz="half" idx="10"/>
+          </p:nvPr>
+        </p:nvSpPr>
         <p:spPr/>
         <p:txBody>
           <a:bodyPr/>
           <a:lstStyle/>
           <a:p>
             <a:r>
-              <a:rPr lang="en-GB" dirty="0"/>
-              <a:t>Specifications</a:t>
-            </a:r>
-          </a:p>
-          <a:p>
-            <a:pPr lvl="1"/>
-            <a:r>
-              <a:rPr lang="en-GB" dirty="0"/>
-              <a:t>Default specifications</a:t>
-            </a:r>
-          </a:p>
-          <a:p>
-            <a:pPr lvl="1"/>
-            <a:r>
-              <a:rPr lang="en-GB" dirty="0"/>
-              <a:t>Modifications of the different options (with auxiliary functions)</a:t>
-            </a:r>
-          </a:p>
-          <a:p>
-            <a:pPr lvl="1"/>
-            <a:endParaRPr lang="en-GB" dirty="0"/>
-          </a:p>
-          <a:p>
-            <a:pPr lvl="1"/>
-            <a:endParaRPr lang="en-GB" dirty="0"/>
+              <a:rPr lang="fr-FR"/>
+              <a:t>17-19/10/2023</a:t>
+            </a:r>
+            <a:endParaRPr lang="en-GB"/>
+          </a:p>
+        </p:txBody>
+      </p:sp>
+      <p:sp>
+        <p:nvSpPr>
+          <p:cNvPr id="5" name="Footer Placeholder 4">
+            <a:extLst>
+              <a:ext uri="{FF2B5EF4-FFF2-40B4-BE49-F238E27FC236}">
+                <a16:creationId xmlns:a16="http://schemas.microsoft.com/office/drawing/2014/main" id="{620F5A3D-EF92-29E0-866C-F7E137659A34}"/>
+              </a:ext>
+            </a:extLst>
+          </p:cNvPr>
+          <p:cNvSpPr>
+            <a:spLocks noGrp="1"/>
+          </p:cNvSpPr>
+          <p:nvPr>
+            <p:ph type="ftr" sz="quarter" idx="11"/>
+          </p:nvPr>
+        </p:nvSpPr>
+        <p:spPr/>
+        <p:txBody>
+          <a:bodyPr/>
+          <a:lstStyle/>
+          <a:p>
+            <a:r>
+              <a:rPr lang="en-GB"/>
+              <a:t>CONTRACTORS ORGANISING SOME OF THE COURSES ARE ACTING UNDER A FRAMEWORK CONTRACT CONCLUDED WITH THE COMMISSION</a:t>
+            </a:r>
           </a:p>
         </p:txBody>
       </p:sp>
       <p:pic>
         <p:nvPicPr>
-          <p:cNvPr id="4" name="Picture 3">
-            <a:extLst>
-              <a:ext uri="{FF2B5EF4-FFF2-40B4-BE49-F238E27FC236}">
-                <a16:creationId xmlns:a16="http://schemas.microsoft.com/office/drawing/2014/main" id="{BA1C716E-C3B8-4EA9-B806-54CE7C3A7752}"/>
+          <p:cNvPr id="7" name="Picture 6">
+            <a:extLst>
+              <a:ext uri="{FF2B5EF4-FFF2-40B4-BE49-F238E27FC236}">
+                <a16:creationId xmlns:a16="http://schemas.microsoft.com/office/drawing/2014/main" id="{D67D6914-3186-CF44-641F-693B167E1BDB}"/>
               </a:ext>
             </a:extLst>
           </p:cNvPr>
@@ -11502,75 +11160,48 @@
         </p:blipFill>
         <p:spPr>
           <a:xfrm>
-            <a:off x="2020853" y="3429000"/>
-            <a:ext cx="7410604" cy="2351564"/>
+            <a:off x="2209800" y="2297083"/>
+            <a:ext cx="3228610" cy="719168"/>
           </a:xfrm>
           <a:prstGeom prst="rect">
             <a:avLst/>
           </a:prstGeom>
         </p:spPr>
       </p:pic>
-      <p:sp>
-        <p:nvSpPr>
-          <p:cNvPr id="5" name="Date Placeholder 4">
-            <a:extLst>
-              <a:ext uri="{FF2B5EF4-FFF2-40B4-BE49-F238E27FC236}">
-                <a16:creationId xmlns:a16="http://schemas.microsoft.com/office/drawing/2014/main" id="{226EEF5E-A8DF-4F1A-AFFC-0987CF75F832}"/>
-              </a:ext>
-            </a:extLst>
-          </p:cNvPr>
-          <p:cNvSpPr>
-            <a:spLocks noGrp="1"/>
-          </p:cNvSpPr>
-          <p:nvPr>
-            <p:ph type="dt" sz="half" idx="10"/>
-          </p:nvPr>
-        </p:nvSpPr>
-        <p:spPr/>
-        <p:txBody>
-          <a:bodyPr/>
-          <a:lstStyle/>
-          <a:p>
-            <a:r>
-              <a:rPr lang="fr-FR"/>
-              <a:t>17-19/10/2023</a:t>
-            </a:r>
-            <a:endParaRPr lang="en-GB"/>
-          </a:p>
-        </p:txBody>
-      </p:sp>
-      <p:sp>
-        <p:nvSpPr>
-          <p:cNvPr id="6" name="Footer Placeholder 5">
-            <a:extLst>
-              <a:ext uri="{FF2B5EF4-FFF2-40B4-BE49-F238E27FC236}">
-                <a16:creationId xmlns:a16="http://schemas.microsoft.com/office/drawing/2014/main" id="{D188366D-958F-433F-A278-5B717159C0E0}"/>
-              </a:ext>
-            </a:extLst>
-          </p:cNvPr>
-          <p:cNvSpPr>
-            <a:spLocks noGrp="1"/>
-          </p:cNvSpPr>
-          <p:nvPr>
-            <p:ph type="ftr" sz="quarter" idx="11"/>
-          </p:nvPr>
-        </p:nvSpPr>
-        <p:spPr/>
-        <p:txBody>
-          <a:bodyPr/>
-          <a:lstStyle/>
-          <a:p>
-            <a:r>
-              <a:rPr lang="en-GB"/>
-              <a:t>CONTRACTORS ORGANISING SOME OF THE COURSES ARE ACTING UNDER A FRAMEWORK CONTRACT CONCLUDED WITH THE COMMISSION</a:t>
-            </a:r>
-          </a:p>
-        </p:txBody>
-      </p:sp>
+      <p:pic>
+        <p:nvPicPr>
+          <p:cNvPr id="11" name="Picture 10">
+            <a:extLst>
+              <a:ext uri="{FF2B5EF4-FFF2-40B4-BE49-F238E27FC236}">
+                <a16:creationId xmlns:a16="http://schemas.microsoft.com/office/drawing/2014/main" id="{E46CA871-9492-FEAC-1AF1-5325C0379B1D}"/>
+              </a:ext>
+            </a:extLst>
+          </p:cNvPr>
+          <p:cNvPicPr>
+            <a:picLocks noChangeAspect="1"/>
+          </p:cNvPicPr>
+          <p:nvPr/>
+        </p:nvPicPr>
+        <p:blipFill>
+          <a:blip r:embed="rId3"/>
+          <a:stretch>
+            <a:fillRect/>
+          </a:stretch>
+        </p:blipFill>
+        <p:spPr>
+          <a:xfrm>
+            <a:off x="2209800" y="3622646"/>
+            <a:ext cx="6066024" cy="719168"/>
+          </a:xfrm>
+          <a:prstGeom prst="rect">
+            <a:avLst/>
+          </a:prstGeom>
+        </p:spPr>
+      </p:pic>
     </p:spTree>
     <p:extLst>
       <p:ext uri="{BB962C8B-B14F-4D97-AF65-F5344CB8AC3E}">
-        <p14:creationId xmlns:p14="http://schemas.microsoft.com/office/powerpoint/2010/main" val="3948904067"/>
+        <p14:creationId xmlns:p14="http://schemas.microsoft.com/office/powerpoint/2010/main" val="933773129"/>
       </p:ext>
     </p:extLst>
   </p:cSld>
@@ -11602,7 +11233,7 @@
           <p:cNvPr id="2" name="Title 1">
             <a:extLst>
               <a:ext uri="{FF2B5EF4-FFF2-40B4-BE49-F238E27FC236}">
-                <a16:creationId xmlns:a16="http://schemas.microsoft.com/office/drawing/2014/main" id="{3DB888CF-D942-4E7C-A9B4-383B09FBFD4B}"/>
+                <a16:creationId xmlns:a16="http://schemas.microsoft.com/office/drawing/2014/main" id="{6E54EFB3-CBD2-3E08-5B44-B206908A8B19}"/>
               </a:ext>
             </a:extLst>
           </p:cNvPr>
@@ -11619,21 +11250,14 @@
           <a:lstStyle/>
           <a:p>
             <a:r>
-              <a:rPr lang="en-GB" dirty="0" err="1"/>
-              <a:t>TramoSeats</a:t>
-            </a:r>
-            <a:r>
-              <a:rPr lang="en-GB" dirty="0"/>
-              <a:t> / X13 packages (</a:t>
-            </a:r>
-            <a:r>
-              <a:rPr lang="en-GB" dirty="0" err="1"/>
-              <a:t>cont</a:t>
-            </a:r>
-            <a:r>
-              <a:rPr lang="en-GB" dirty="0"/>
-              <a:t>)</a:t>
-            </a:r>
+              <a:rPr lang="fr-BE" dirty="0"/>
+              <a:t>7. </a:t>
+            </a:r>
+            <a:r>
+              <a:rPr lang="fr-BE" dirty="0" err="1"/>
+              <a:t>Examples</a:t>
+            </a:r>
+            <a:endParaRPr lang="fr-BE" dirty="0"/>
           </a:p>
         </p:txBody>
       </p:sp>
@@ -11642,7 +11266,7 @@
           <p:cNvPr id="3" name="Content Placeholder 2">
             <a:extLst>
               <a:ext uri="{FF2B5EF4-FFF2-40B4-BE49-F238E27FC236}">
-                <a16:creationId xmlns:a16="http://schemas.microsoft.com/office/drawing/2014/main" id="{F0B8FE6E-8ADC-40DB-B7B3-C255246842FC}"/>
+                <a16:creationId xmlns:a16="http://schemas.microsoft.com/office/drawing/2014/main" id="{DABA9E25-9CF1-EF6E-A054-FE4682B8A8E9}"/>
               </a:ext>
             </a:extLst>
           </p:cNvPr>
@@ -11653,90 +11277,126 @@
             <p:ph idx="1"/>
           </p:nvPr>
         </p:nvSpPr>
+        <p:spPr>
+          <a:xfrm>
+            <a:off x="838200" y="1447800"/>
+            <a:ext cx="10515600" cy="4729163"/>
+          </a:xfrm>
+        </p:spPr>
+        <p:txBody>
+          <a:bodyPr/>
+          <a:lstStyle/>
+          <a:p>
+            <a:r>
+              <a:rPr lang="fr-BE" sz="2400" dirty="0"/>
+              <a:t>Reading Excel files (JD+-like) and </a:t>
+            </a:r>
+            <a:r>
+              <a:rPr lang="fr-BE" sz="2400" dirty="0" err="1"/>
+              <a:t>detecting</a:t>
+            </a:r>
+            <a:r>
+              <a:rPr lang="fr-BE" sz="2400" dirty="0"/>
+              <a:t> </a:t>
+            </a:r>
+            <a:r>
+              <a:rPr lang="fr-BE" sz="2400" dirty="0" err="1"/>
+              <a:t>errors</a:t>
+            </a:r>
+            <a:endParaRPr lang="fr-BE" sz="2400" dirty="0"/>
+          </a:p>
+          <a:p>
+            <a:endParaRPr lang="fr-BE" sz="2400" dirty="0"/>
+          </a:p>
+          <a:p>
+            <a:endParaRPr lang="fr-BE" dirty="0"/>
+          </a:p>
+          <a:p>
+            <a:endParaRPr lang="fr-BE" dirty="0"/>
+          </a:p>
+          <a:p>
+            <a:r>
+              <a:rPr lang="fr-BE" sz="2400" dirty="0" err="1"/>
+              <a:t>Refreshing</a:t>
+            </a:r>
+            <a:r>
+              <a:rPr lang="fr-BE" sz="2400" dirty="0"/>
+              <a:t> a </a:t>
+            </a:r>
+            <a:r>
+              <a:rPr lang="fr-BE" sz="2400" dirty="0" err="1"/>
+              <a:t>workspace</a:t>
+            </a:r>
+            <a:endParaRPr lang="fr-BE" sz="2400" dirty="0"/>
+          </a:p>
+          <a:p>
+            <a:endParaRPr lang="fr-BE" dirty="0"/>
+          </a:p>
+        </p:txBody>
+      </p:sp>
+      <p:sp>
+        <p:nvSpPr>
+          <p:cNvPr id="4" name="Date Placeholder 3">
+            <a:extLst>
+              <a:ext uri="{FF2B5EF4-FFF2-40B4-BE49-F238E27FC236}">
+                <a16:creationId xmlns:a16="http://schemas.microsoft.com/office/drawing/2014/main" id="{1DCF8EFC-4B39-D2B9-22A1-E35926BEF1F2}"/>
+              </a:ext>
+            </a:extLst>
+          </p:cNvPr>
+          <p:cNvSpPr>
+            <a:spLocks noGrp="1"/>
+          </p:cNvSpPr>
+          <p:nvPr>
+            <p:ph type="dt" sz="half" idx="10"/>
+          </p:nvPr>
+        </p:nvSpPr>
         <p:spPr/>
         <p:txBody>
           <a:bodyPr/>
           <a:lstStyle/>
           <a:p>
             <a:r>
-              <a:rPr lang="en-GB" dirty="0"/>
-              <a:t>Processing</a:t>
-            </a:r>
-          </a:p>
-          <a:p>
-            <a:pPr lvl="1"/>
-            <a:r>
-              <a:rPr lang="en-GB" dirty="0"/>
-              <a:t>Fast processing (</a:t>
-            </a:r>
-            <a:r>
-              <a:rPr lang="en-GB" dirty="0" err="1"/>
-              <a:t>fast.xxx</a:t>
-            </a:r>
-            <a:r>
-              <a:rPr lang="en-GB" dirty="0"/>
-              <a:t> method)</a:t>
-            </a:r>
-          </a:p>
-          <a:p>
-            <a:pPr lvl="1"/>
-            <a:r>
-              <a:rPr lang="en-GB" dirty="0"/>
-              <a:t>Full processing (</a:t>
-            </a:r>
-            <a:r>
-              <a:rPr lang="en-GB" dirty="0" err="1"/>
-              <a:t>xxx.method</a:t>
-            </a:r>
-            <a:r>
-              <a:rPr lang="en-GB" dirty="0"/>
-              <a:t>)</a:t>
-            </a:r>
-          </a:p>
-          <a:p>
-            <a:pPr lvl="2"/>
-            <a:r>
-              <a:rPr lang="en-GB" dirty="0"/>
-              <a:t>Results</a:t>
-            </a:r>
-          </a:p>
-          <a:p>
-            <a:pPr lvl="2"/>
-            <a:r>
-              <a:rPr lang="en-GB" dirty="0"/>
-              <a:t>Estimation spec </a:t>
-            </a:r>
-          </a:p>
-          <a:p>
-            <a:pPr lvl="2"/>
-            <a:r>
-              <a:rPr lang="en-GB" dirty="0"/>
-              <a:t>Result spec </a:t>
-            </a:r>
-          </a:p>
-          <a:p>
-            <a:pPr lvl="1"/>
-            <a:r>
-              <a:rPr lang="en-GB" dirty="0"/>
-              <a:t>Refreshing of spec</a:t>
-            </a:r>
-          </a:p>
-          <a:p>
-            <a:pPr lvl="1"/>
-            <a:endParaRPr lang="en-GB" dirty="0"/>
-          </a:p>
-          <a:p>
-            <a:pPr lvl="1"/>
-            <a:endParaRPr lang="en-GB" dirty="0"/>
+              <a:rPr lang="fr-FR"/>
+              <a:t>17-19/10/2023</a:t>
+            </a:r>
+            <a:endParaRPr lang="en-GB"/>
+          </a:p>
+        </p:txBody>
+      </p:sp>
+      <p:sp>
+        <p:nvSpPr>
+          <p:cNvPr id="5" name="Footer Placeholder 4">
+            <a:extLst>
+              <a:ext uri="{FF2B5EF4-FFF2-40B4-BE49-F238E27FC236}">
+                <a16:creationId xmlns:a16="http://schemas.microsoft.com/office/drawing/2014/main" id="{481F5EE1-E1BE-04C2-C53E-B41668C54785}"/>
+              </a:ext>
+            </a:extLst>
+          </p:cNvPr>
+          <p:cNvSpPr>
+            <a:spLocks noGrp="1"/>
+          </p:cNvSpPr>
+          <p:nvPr>
+            <p:ph type="ftr" sz="quarter" idx="11"/>
+          </p:nvPr>
+        </p:nvSpPr>
+        <p:spPr/>
+        <p:txBody>
+          <a:bodyPr/>
+          <a:lstStyle/>
+          <a:p>
+            <a:r>
+              <a:rPr lang="en-GB"/>
+              <a:t>CONTRACTORS ORGANISING SOME OF THE COURSES ARE ACTING UNDER A FRAMEWORK CONTRACT CONCLUDED WITH THE COMMISSION</a:t>
+            </a:r>
           </a:p>
         </p:txBody>
       </p:sp>
       <p:pic>
         <p:nvPicPr>
-          <p:cNvPr id="8" name="Picture 7">
-            <a:extLst>
-              <a:ext uri="{FF2B5EF4-FFF2-40B4-BE49-F238E27FC236}">
-                <a16:creationId xmlns:a16="http://schemas.microsoft.com/office/drawing/2014/main" id="{BE358BBA-CEFD-4F5A-BD74-58E3C07903C9}"/>
+          <p:cNvPr id="7" name="Picture 6">
+            <a:extLst>
+              <a:ext uri="{FF2B5EF4-FFF2-40B4-BE49-F238E27FC236}">
+                <a16:creationId xmlns:a16="http://schemas.microsoft.com/office/drawing/2014/main" id="{D0D90FC0-93EB-14C5-77CB-FC990AA5B6BE}"/>
               </a:ext>
             </a:extLst>
           </p:cNvPr>
@@ -11753,82 +11413,58 @@
         </p:blipFill>
         <p:spPr>
           <a:xfrm>
-            <a:off x="4110681" y="3429000"/>
-            <a:ext cx="7920890" cy="2542822"/>
+            <a:off x="1196927" y="1870074"/>
+            <a:ext cx="8181135" cy="1558925"/>
           </a:xfrm>
           <a:prstGeom prst="rect">
             <a:avLst/>
           </a:prstGeom>
           <a:ln>
             <a:solidFill>
-              <a:schemeClr val="accent3">
-                <a:shade val="50000"/>
-              </a:schemeClr>
+              <a:schemeClr val="tx1"/>
             </a:solidFill>
           </a:ln>
         </p:spPr>
       </p:pic>
-      <p:sp>
-        <p:nvSpPr>
-          <p:cNvPr id="4" name="Date Placeholder 3">
-            <a:extLst>
-              <a:ext uri="{FF2B5EF4-FFF2-40B4-BE49-F238E27FC236}">
-                <a16:creationId xmlns:a16="http://schemas.microsoft.com/office/drawing/2014/main" id="{8C7D3CC0-8F81-4E79-A59C-E6BCD0BF1B4B}"/>
-              </a:ext>
-            </a:extLst>
-          </p:cNvPr>
-          <p:cNvSpPr>
-            <a:spLocks noGrp="1"/>
-          </p:cNvSpPr>
-          <p:nvPr>
-            <p:ph type="dt" sz="half" idx="10"/>
-          </p:nvPr>
-        </p:nvSpPr>
-        <p:spPr/>
-        <p:txBody>
-          <a:bodyPr/>
-          <a:lstStyle/>
-          <a:p>
-            <a:r>
-              <a:rPr lang="fr-FR"/>
-              <a:t>17-19/10/2023</a:t>
-            </a:r>
-            <a:endParaRPr lang="en-GB"/>
-          </a:p>
-        </p:txBody>
-      </p:sp>
-      <p:sp>
-        <p:nvSpPr>
-          <p:cNvPr id="5" name="Footer Placeholder 4">
-            <a:extLst>
-              <a:ext uri="{FF2B5EF4-FFF2-40B4-BE49-F238E27FC236}">
-                <a16:creationId xmlns:a16="http://schemas.microsoft.com/office/drawing/2014/main" id="{78DFE63E-EF63-449A-B353-5390CF512B93}"/>
-              </a:ext>
-            </a:extLst>
-          </p:cNvPr>
-          <p:cNvSpPr>
-            <a:spLocks noGrp="1"/>
-          </p:cNvSpPr>
-          <p:nvPr>
-            <p:ph type="ftr" sz="quarter" idx="11"/>
-          </p:nvPr>
-        </p:nvSpPr>
-        <p:spPr/>
-        <p:txBody>
-          <a:bodyPr/>
-          <a:lstStyle/>
-          <a:p>
-            <a:r>
-              <a:rPr lang="en-GB"/>
-              <a:t>CONTRACTORS ORGANISING SOME OF THE COURSES ARE ACTING UNDER A FRAMEWORK CONTRACT CONCLUDED WITH THE COMMISSION</a:t>
-            </a:r>
-          </a:p>
-        </p:txBody>
-      </p:sp>
+      <p:pic>
+        <p:nvPicPr>
+          <p:cNvPr id="13" name="Picture 12">
+            <a:extLst>
+              <a:ext uri="{FF2B5EF4-FFF2-40B4-BE49-F238E27FC236}">
+                <a16:creationId xmlns:a16="http://schemas.microsoft.com/office/drawing/2014/main" id="{CAECC140-1613-1821-0CC9-CB2AA63D6CA1}"/>
+              </a:ext>
+            </a:extLst>
+          </p:cNvPr>
+          <p:cNvPicPr>
+            <a:picLocks noChangeAspect="1"/>
+          </p:cNvPicPr>
+          <p:nvPr/>
+        </p:nvPicPr>
+        <p:blipFill>
+          <a:blip r:embed="rId3"/>
+          <a:stretch>
+            <a:fillRect/>
+          </a:stretch>
+        </p:blipFill>
+        <p:spPr>
+          <a:xfrm>
+            <a:off x="1196927" y="3812381"/>
+            <a:ext cx="8186918" cy="2364582"/>
+          </a:xfrm>
+          <a:prstGeom prst="rect">
+            <a:avLst/>
+          </a:prstGeom>
+          <a:ln>
+            <a:solidFill>
+              <a:schemeClr val="tx1"/>
+            </a:solidFill>
+          </a:ln>
+        </p:spPr>
+      </p:pic>
     </p:spTree>
     <p:extLst>
       <p:ext uri="{BB962C8B-B14F-4D97-AF65-F5344CB8AC3E}">
-        <p14:creationId xmlns:p14="http://schemas.microsoft.com/office/powerpoint/2010/main" val="2419268256"/>
+        <p14:creationId xmlns:p14="http://schemas.microsoft.com/office/powerpoint/2010/main" val="3127807312"/>
       </p:ext>
     </p:extLst>
   </p:cSld>

--- a/Presentations/1.3 JD+ and R.pptx
+++ b/Presentations/1.3 JD+ and R.pptx
@@ -623,7 +623,7 @@
           <a:p>
             <a:fld id="{C00A79F7-9B28-4F30-91A8-0846D612BC3E}" type="datetimeFigureOut">
               <a:rPr lang="en-GB" smtClean="0"/>
-              <a:t>13/10/2023</a:t>
+              <a:t>17/10/2023</a:t>
             </a:fld>
             <a:endParaRPr lang="en-GB"/>
           </a:p>
@@ -11059,8 +11059,12 @@
               <a:t>rjdemetra</a:t>
             </a:r>
             <a:r>
+              <a:rPr lang="fr-BE"/>
+              <a:t>/rjd3toolkit", </a:t>
+            </a:r>
+            <a:r>
               <a:rPr lang="fr-BE" dirty="0"/>
-              <a:t>/rjd3tramoseats", "main", </a:t>
+              <a:t>"main", </a:t>
             </a:r>
             <a:r>
               <a:rPr lang="fr-BE" dirty="0" err="1"/>
